--- a/主是我力量.pptx
+++ b/主是我力量.pptx
@@ -2,14 +2,19 @@
 <file path=ppt/presentation.xml><?xml version="1.0" encoding="utf-8"?>
 <p:presentation xmlns:a="http://schemas.openxmlformats.org/drawingml/2006/main" xmlns:r="http://schemas.openxmlformats.org/officeDocument/2006/relationships" xmlns:p="http://schemas.openxmlformats.org/presentationml/2006/main" saveSubsetFonts="1">
   <p:sldMasterIdLst>
-    <p:sldMasterId id="2147483672" r:id="rId1"/>
+    <p:sldMasterId id="2147483684" r:id="rId1"/>
   </p:sldMasterIdLst>
   <p:sldIdLst>
-    <p:sldId id="257" r:id="rId2"/>
-    <p:sldId id="258" r:id="rId3"/>
-    <p:sldId id="259" r:id="rId4"/>
+    <p:sldId id="260" r:id="rId2"/>
+    <p:sldId id="261" r:id="rId3"/>
+    <p:sldId id="262" r:id="rId4"/>
+    <p:sldId id="263" r:id="rId5"/>
+    <p:sldId id="264" r:id="rId6"/>
+    <p:sldId id="265" r:id="rId7"/>
+    <p:sldId id="266" r:id="rId8"/>
+    <p:sldId id="267" r:id="rId9"/>
   </p:sldIdLst>
-  <p:sldSz cx="9144000" cy="6858000" type="screen4x3"/>
+  <p:sldSz cx="12192000" cy="6858000"/>
   <p:notesSz cx="6858000" cy="9144000"/>
   <p:defaultTextStyle>
     <a:defPPr>
@@ -106,6 +111,22 @@
       </a:defRPr>
     </a:lvl9pPr>
   </p:defaultTextStyle>
+  <p:extLst>
+    <p:ext uri="{EFAFB233-063F-42B5-8137-9DF3F51BA10A}">
+      <p15:sldGuideLst xmlns:p15="http://schemas.microsoft.com/office/powerpoint/2012/main">
+        <p15:guide id="1" orient="horz" pos="2160" userDrawn="1">
+          <p15:clr>
+            <a:srgbClr val="A4A3A4"/>
+          </p15:clr>
+        </p15:guide>
+        <p15:guide id="2" pos="3840" userDrawn="1">
+          <p15:clr>
+            <a:srgbClr val="A4A3A4"/>
+          </p15:clr>
+        </p15:guide>
+      </p15:sldGuideLst>
+    </p:ext>
+  </p:extLst>
 </p:presentation>
 </file>
 
@@ -128,7 +149,7 @@
       </p:grpSpPr>
       <p:sp>
         <p:nvSpPr>
-          <p:cNvPr id="2" name="図形 1"/>
+          <p:cNvPr id="2" name="標題 1"/>
           <p:cNvSpPr>
             <a:spLocks noGrp="1"/>
           </p:cNvSpPr>
@@ -138,8 +159,8 @@
         </p:nvSpPr>
         <p:spPr>
           <a:xfrm>
-            <a:off x="928662" y="1928803"/>
-            <a:ext cx="7172348" cy="1470025"/>
+            <a:off x="914400" y="2130428"/>
+            <a:ext cx="10363200" cy="1470025"/>
           </a:xfrm>
         </p:spPr>
         <p:txBody>
@@ -147,16 +168,16 @@
           <a:lstStyle/>
           <a:p>
             <a:r>
-              <a:rPr kumimoji="1" lang="zh-TW" altLang="en-US" smtClean="0"/>
-              <a:t>按一下以編輯母片標題樣式</a:t>
-            </a:r>
-            <a:endParaRPr kumimoji="1" lang="ja-JP" altLang="en-US" dirty="0"/>
-          </a:p>
-        </p:txBody>
-      </p:sp>
-      <p:sp>
-        <p:nvSpPr>
-          <p:cNvPr id="8" name="図形 7"/>
+              <a:rPr lang="en-US" altLang="zh-TW" smtClean="0"/>
+              <a:t>Click to edit Master title style</a:t>
+            </a:r>
+            <a:endParaRPr lang="zh-TW" altLang="en-US"/>
+          </a:p>
+        </p:txBody>
+      </p:sp>
+      <p:sp>
+        <p:nvSpPr>
+          <p:cNvPr id="3" name="副標題 2"/>
           <p:cNvSpPr>
             <a:spLocks noGrp="1"/>
           </p:cNvSpPr>
@@ -166,22 +187,14 @@
         </p:nvSpPr>
         <p:spPr>
           <a:xfrm>
-            <a:off x="1371600" y="3643314"/>
-            <a:ext cx="6400800" cy="1285884"/>
+            <a:off x="1828800" y="3886200"/>
+            <a:ext cx="8534400" cy="1752600"/>
           </a:xfrm>
         </p:spPr>
         <p:txBody>
           <a:bodyPr/>
           <a:lstStyle>
             <a:lvl1pPr marL="0" indent="0" algn="ctr">
-              <a:buNone/>
-              <a:defRPr>
-                <a:solidFill>
-                  <a:schemeClr val="tx2"/>
-                </a:solidFill>
-              </a:defRPr>
-            </a:lvl1pPr>
-            <a:lvl2pPr marL="457200" indent="0" algn="ctr">
               <a:buNone/>
               <a:defRPr>
                 <a:solidFill>
@@ -190,8 +203,8 @@
                   </a:schemeClr>
                 </a:solidFill>
               </a:defRPr>
-            </a:lvl2pPr>
-            <a:lvl3pPr marL="914400" indent="0" algn="ctr">
+            </a:lvl1pPr>
+            <a:lvl2pPr marL="457189" indent="0" algn="ctr">
               <a:buNone/>
               <a:defRPr>
                 <a:solidFill>
@@ -200,8 +213,8 @@
                   </a:schemeClr>
                 </a:solidFill>
               </a:defRPr>
-            </a:lvl3pPr>
-            <a:lvl4pPr marL="1371600" indent="0" algn="ctr">
+            </a:lvl2pPr>
+            <a:lvl3pPr marL="914378" indent="0" algn="ctr">
               <a:buNone/>
               <a:defRPr>
                 <a:solidFill>
@@ -210,8 +223,8 @@
                   </a:schemeClr>
                 </a:solidFill>
               </a:defRPr>
-            </a:lvl4pPr>
-            <a:lvl5pPr marL="1828800" indent="0" algn="ctr">
+            </a:lvl3pPr>
+            <a:lvl4pPr marL="1371566" indent="0" algn="ctr">
               <a:buNone/>
               <a:defRPr>
                 <a:solidFill>
@@ -220,8 +233,8 @@
                   </a:schemeClr>
                 </a:solidFill>
               </a:defRPr>
-            </a:lvl5pPr>
-            <a:lvl6pPr marL="2286000" indent="0" algn="ctr">
+            </a:lvl4pPr>
+            <a:lvl5pPr marL="1828754" indent="0" algn="ctr">
               <a:buNone/>
               <a:defRPr>
                 <a:solidFill>
@@ -230,8 +243,8 @@
                   </a:schemeClr>
                 </a:solidFill>
               </a:defRPr>
-            </a:lvl6pPr>
-            <a:lvl7pPr marL="2743200" indent="0" algn="ctr">
+            </a:lvl5pPr>
+            <a:lvl6pPr marL="2285943" indent="0" algn="ctr">
               <a:buNone/>
               <a:defRPr>
                 <a:solidFill>
@@ -240,8 +253,8 @@
                   </a:schemeClr>
                 </a:solidFill>
               </a:defRPr>
-            </a:lvl7pPr>
-            <a:lvl8pPr marL="3200400" indent="0" algn="ctr">
+            </a:lvl6pPr>
+            <a:lvl7pPr marL="2743132" indent="0" algn="ctr">
               <a:buNone/>
               <a:defRPr>
                 <a:solidFill>
@@ -250,8 +263,8 @@
                   </a:schemeClr>
                 </a:solidFill>
               </a:defRPr>
-            </a:lvl8pPr>
-            <a:lvl9pPr marL="3657600" indent="0" algn="ctr">
+            </a:lvl7pPr>
+            <a:lvl8pPr marL="3200320" indent="0" algn="ctr">
               <a:buNone/>
               <a:defRPr>
                 <a:solidFill>
@@ -260,20 +273,30 @@
                   </a:schemeClr>
                 </a:solidFill>
               </a:defRPr>
+            </a:lvl8pPr>
+            <a:lvl9pPr marL="3657509" indent="0" algn="ctr">
+              <a:buNone/>
+              <a:defRPr>
+                <a:solidFill>
+                  <a:schemeClr val="tx1">
+                    <a:tint val="75000"/>
+                  </a:schemeClr>
+                </a:solidFill>
+              </a:defRPr>
             </a:lvl9pPr>
           </a:lstStyle>
           <a:p>
             <a:r>
-              <a:rPr kumimoji="1" lang="zh-TW" altLang="en-US" smtClean="0"/>
-              <a:t>按一下以編輯母片副標題樣式</a:t>
-            </a:r>
-            <a:endParaRPr kumimoji="1" lang="ja-JP" altLang="en-US" dirty="0"/>
-          </a:p>
-        </p:txBody>
-      </p:sp>
-      <p:sp>
-        <p:nvSpPr>
-          <p:cNvPr id="12" name="図形 11"/>
+              <a:rPr lang="en-US" altLang="zh-TW" smtClean="0"/>
+              <a:t>Click to edit Master subtitle style</a:t>
+            </a:r>
+            <a:endParaRPr lang="zh-TW" altLang="en-US"/>
+          </a:p>
+        </p:txBody>
+      </p:sp>
+      <p:sp>
+        <p:nvSpPr>
+          <p:cNvPr id="4" name="日期版面配置區 3"/>
           <p:cNvSpPr>
             <a:spLocks noGrp="1"/>
           </p:cNvSpPr>
@@ -288,7 +311,7 @@
           <a:p>
             <a:fld id="{DB37BC26-CD71-4144-9EA3-A3A0297D4D7C}" type="datetimeFigureOut">
               <a:rPr lang="zh-TW" altLang="en-US" smtClean="0"/>
-              <a:t>2014/3/16</a:t>
+              <a:t>2021/6/3</a:t>
             </a:fld>
             <a:endParaRPr lang="zh-TW" altLang="en-US"/>
           </a:p>
@@ -296,7 +319,7 @@
       </p:sp>
       <p:sp>
         <p:nvSpPr>
-          <p:cNvPr id="11" name="図形 10"/>
+          <p:cNvPr id="5" name="頁尾版面配置區 4"/>
           <p:cNvSpPr>
             <a:spLocks noGrp="1"/>
           </p:cNvSpPr>
@@ -315,7 +338,7 @@
       </p:sp>
       <p:sp>
         <p:nvSpPr>
-          <p:cNvPr id="18" name="図形 17"/>
+          <p:cNvPr id="6" name="投影片編號版面配置區 5"/>
           <p:cNvSpPr>
             <a:spLocks noGrp="1"/>
           </p:cNvSpPr>
@@ -337,6 +360,11 @@
         </p:txBody>
       </p:sp>
     </p:spTree>
+    <p:extLst>
+      <p:ext uri="{BB962C8B-B14F-4D97-AF65-F5344CB8AC3E}">
+        <p14:creationId xmlns:p14="http://schemas.microsoft.com/office/powerpoint/2010/main" val="3537095367"/>
+      </p:ext>
+    </p:extLst>
   </p:cSld>
   <p:clrMapOvr>
     <a:masterClrMapping/>
@@ -345,7 +373,7 @@
 </file>
 
 <file path=ppt/slideLayouts/slideLayout10.xml><?xml version="1.0" encoding="utf-8"?>
-<p:sldLayout xmlns:a="http://schemas.openxmlformats.org/drawingml/2006/main" xmlns:r="http://schemas.openxmlformats.org/officeDocument/2006/relationships" xmlns:p="http://schemas.openxmlformats.org/presentationml/2006/main" showMasterSp="0" type="vertTx" preserve="1">
+<p:sldLayout xmlns:a="http://schemas.openxmlformats.org/drawingml/2006/main" xmlns:r="http://schemas.openxmlformats.org/officeDocument/2006/relationships" xmlns:p="http://schemas.openxmlformats.org/presentationml/2006/main" type="vertTx" preserve="1">
   <p:cSld name="標題及直排文字">
     <p:spTree>
       <p:nvGrpSpPr>
@@ -363,7 +391,7 @@
       </p:grpSpPr>
       <p:sp>
         <p:nvSpPr>
-          <p:cNvPr id="2" name="図形 1"/>
+          <p:cNvPr id="2" name="標題 1"/>
           <p:cNvSpPr>
             <a:spLocks noGrp="1"/>
           </p:cNvSpPr>
@@ -371,27 +399,22 @@
             <p:ph type="title"/>
           </p:nvPr>
         </p:nvSpPr>
-        <p:spPr>
-          <a:xfrm>
-            <a:off x="671514" y="274638"/>
-            <a:ext cx="7829576" cy="1011222"/>
-          </a:xfrm>
-        </p:spPr>
-        <p:txBody>
-          <a:bodyPr/>
-          <a:lstStyle/>
-          <a:p>
-            <a:r>
-              <a:rPr kumimoji="1" lang="zh-TW" altLang="en-US" smtClean="0"/>
-              <a:t>按一下以編輯母片標題樣式</a:t>
-            </a:r>
-            <a:endParaRPr kumimoji="1" lang="ja-JP" altLang="en-US" dirty="0"/>
-          </a:p>
-        </p:txBody>
-      </p:sp>
-      <p:sp>
-        <p:nvSpPr>
-          <p:cNvPr id="3" name="図形 2"/>
+        <p:spPr/>
+        <p:txBody>
+          <a:bodyPr/>
+          <a:lstStyle/>
+          <a:p>
+            <a:r>
+              <a:rPr lang="en-US" altLang="zh-TW" smtClean="0"/>
+              <a:t>Click to edit Master title style</a:t>
+            </a:r>
+            <a:endParaRPr lang="zh-TW" altLang="en-US"/>
+          </a:p>
+        </p:txBody>
+      </p:sp>
+      <p:sp>
+        <p:nvSpPr>
+          <p:cNvPr id="3" name="直排文字版面配置區 2"/>
           <p:cNvSpPr>
             <a:spLocks noGrp="1"/>
           </p:cNvSpPr>
@@ -399,56 +422,51 @@
             <p:ph type="body" orient="vert" idx="1"/>
           </p:nvPr>
         </p:nvSpPr>
-        <p:spPr>
-          <a:xfrm>
-            <a:off x="671514" y="1285860"/>
-            <a:ext cx="7829576" cy="4357718"/>
-          </a:xfrm>
-        </p:spPr>
+        <p:spPr/>
         <p:txBody>
           <a:bodyPr vert="eaVert"/>
           <a:lstStyle/>
           <a:p>
             <a:pPr lvl="0"/>
             <a:r>
-              <a:rPr kumimoji="1" lang="zh-TW" altLang="en-US" smtClean="0"/>
-              <a:t>按一下以編輯母片文字樣式</a:t>
+              <a:rPr lang="en-US" altLang="zh-TW" smtClean="0"/>
+              <a:t>Edit Master text styles</a:t>
             </a:r>
           </a:p>
           <a:p>
             <a:pPr lvl="1"/>
             <a:r>
-              <a:rPr kumimoji="1" lang="zh-TW" altLang="en-US" smtClean="0"/>
-              <a:t>第二層</a:t>
+              <a:rPr lang="en-US" altLang="zh-TW" smtClean="0"/>
+              <a:t>Second level</a:t>
             </a:r>
           </a:p>
           <a:p>
             <a:pPr lvl="2"/>
             <a:r>
-              <a:rPr kumimoji="1" lang="zh-TW" altLang="en-US" smtClean="0"/>
-              <a:t>第三層</a:t>
+              <a:rPr lang="en-US" altLang="zh-TW" smtClean="0"/>
+              <a:t>Third level</a:t>
             </a:r>
           </a:p>
           <a:p>
             <a:pPr lvl="3"/>
             <a:r>
-              <a:rPr kumimoji="1" lang="zh-TW" altLang="en-US" smtClean="0"/>
-              <a:t>第四層</a:t>
+              <a:rPr lang="en-US" altLang="zh-TW" smtClean="0"/>
+              <a:t>Fourth level</a:t>
             </a:r>
           </a:p>
           <a:p>
             <a:pPr lvl="4"/>
             <a:r>
-              <a:rPr kumimoji="1" lang="zh-TW" altLang="en-US" smtClean="0"/>
-              <a:t>第五層</a:t>
-            </a:r>
-            <a:endParaRPr kumimoji="1" lang="ja-JP" altLang="en-US" dirty="0"/>
-          </a:p>
-        </p:txBody>
-      </p:sp>
-      <p:sp>
-        <p:nvSpPr>
-          <p:cNvPr id="4" name="図形 3"/>
+              <a:rPr lang="en-US" altLang="zh-TW" smtClean="0"/>
+              <a:t>Fifth level</a:t>
+            </a:r>
+            <a:endParaRPr lang="zh-TW" altLang="en-US"/>
+          </a:p>
+        </p:txBody>
+      </p:sp>
+      <p:sp>
+        <p:nvSpPr>
+          <p:cNvPr id="4" name="日期版面配置區 3"/>
           <p:cNvSpPr>
             <a:spLocks noGrp="1"/>
           </p:cNvSpPr>
@@ -463,7 +481,7 @@
           <a:p>
             <a:fld id="{DB37BC26-CD71-4144-9EA3-A3A0297D4D7C}" type="datetimeFigureOut">
               <a:rPr lang="zh-TW" altLang="en-US" smtClean="0"/>
-              <a:t>2014/3/16</a:t>
+              <a:t>2021/6/3</a:t>
             </a:fld>
             <a:endParaRPr lang="zh-TW" altLang="en-US"/>
           </a:p>
@@ -471,7 +489,7 @@
       </p:sp>
       <p:sp>
         <p:nvSpPr>
-          <p:cNvPr id="5" name="図形 4"/>
+          <p:cNvPr id="5" name="頁尾版面配置區 4"/>
           <p:cNvSpPr>
             <a:spLocks noGrp="1"/>
           </p:cNvSpPr>
@@ -490,7 +508,7 @@
       </p:sp>
       <p:sp>
         <p:nvSpPr>
-          <p:cNvPr id="6" name="図形 5"/>
+          <p:cNvPr id="6" name="投影片編號版面配置區 5"/>
           <p:cNvSpPr>
             <a:spLocks noGrp="1"/>
           </p:cNvSpPr>
@@ -512,6 +530,11 @@
         </p:txBody>
       </p:sp>
     </p:spTree>
+    <p:extLst>
+      <p:ext uri="{BB962C8B-B14F-4D97-AF65-F5344CB8AC3E}">
+        <p14:creationId xmlns:p14="http://schemas.microsoft.com/office/powerpoint/2010/main" val="1549631576"/>
+      </p:ext>
+    </p:extLst>
   </p:cSld>
   <p:clrMapOvr>
     <a:masterClrMapping/>
@@ -520,7 +543,7 @@
 </file>
 
 <file path=ppt/slideLayouts/slideLayout11.xml><?xml version="1.0" encoding="utf-8"?>
-<p:sldLayout xmlns:a="http://schemas.openxmlformats.org/drawingml/2006/main" xmlns:r="http://schemas.openxmlformats.org/officeDocument/2006/relationships" xmlns:p="http://schemas.openxmlformats.org/presentationml/2006/main" showMasterSp="0" type="vertTitleAndTx" preserve="1">
+<p:sldLayout xmlns:a="http://schemas.openxmlformats.org/drawingml/2006/main" xmlns:r="http://schemas.openxmlformats.org/officeDocument/2006/relationships" xmlns:p="http://schemas.openxmlformats.org/presentationml/2006/main" type="vertTitleAndTx" preserve="1">
   <p:cSld name="直排標題及文字">
     <p:spTree>
       <p:nvGrpSpPr>
@@ -538,7 +561,7 @@
       </p:grpSpPr>
       <p:sp>
         <p:nvSpPr>
-          <p:cNvPr id="2" name="図形 1"/>
+          <p:cNvPr id="2" name="直排標題 1"/>
           <p:cNvSpPr>
             <a:spLocks noGrp="1"/>
           </p:cNvSpPr>
@@ -548,54 +571,25 @@
         </p:nvSpPr>
         <p:spPr>
           <a:xfrm>
-            <a:off x="6643702" y="285730"/>
-            <a:ext cx="1785950" cy="5565797"/>
+            <a:off x="8839200" y="274641"/>
+            <a:ext cx="2743200" cy="5851525"/>
           </a:xfrm>
         </p:spPr>
         <p:txBody>
           <a:bodyPr vert="eaVert"/>
-          <a:lstStyle>
-            <a:lvl1pPr>
-              <a:defRPr>
-                <a:gradFill flip="none" rotWithShape="1">
-                  <a:gsLst>
-                    <a:gs pos="0">
-                      <a:schemeClr val="tx1">
-                        <a:tint val="65000"/>
-                      </a:schemeClr>
-                    </a:gs>
-                    <a:gs pos="49900">
-                      <a:schemeClr val="tx1">
-                        <a:tint val="95000"/>
-                      </a:schemeClr>
-                    </a:gs>
-                    <a:gs pos="50000">
-                      <a:schemeClr val="tx1"/>
-                    </a:gs>
-                    <a:gs pos="100000">
-                      <a:schemeClr val="tx1">
-                        <a:tint val="95000"/>
-                      </a:schemeClr>
-                    </a:gs>
-                  </a:gsLst>
-                  <a:lin ang="5400000" scaled="1"/>
-                  <a:tileRect/>
-                </a:gradFill>
-              </a:defRPr>
-            </a:lvl1pPr>
-          </a:lstStyle>
-          <a:p>
-            <a:r>
-              <a:rPr kumimoji="1" lang="zh-TW" altLang="en-US" smtClean="0"/>
-              <a:t>按一下以編輯母片標題樣式</a:t>
-            </a:r>
-            <a:endParaRPr kumimoji="1" lang="ja-JP" altLang="en-US" dirty="0"/>
-          </a:p>
-        </p:txBody>
-      </p:sp>
-      <p:sp>
-        <p:nvSpPr>
-          <p:cNvPr id="3" name="図形 2"/>
+          <a:lstStyle/>
+          <a:p>
+            <a:r>
+              <a:rPr lang="en-US" altLang="zh-TW" smtClean="0"/>
+              <a:t>Click to edit Master title style</a:t>
+            </a:r>
+            <a:endParaRPr lang="zh-TW" altLang="en-US"/>
+          </a:p>
+        </p:txBody>
+      </p:sp>
+      <p:sp>
+        <p:nvSpPr>
+          <p:cNvPr id="3" name="直排文字版面配置區 2"/>
           <p:cNvSpPr>
             <a:spLocks noGrp="1"/>
           </p:cNvSpPr>
@@ -605,8 +599,8 @@
         </p:nvSpPr>
         <p:spPr>
           <a:xfrm>
-            <a:off x="642910" y="274640"/>
-            <a:ext cx="5834090" cy="5583253"/>
+            <a:off x="609600" y="274641"/>
+            <a:ext cx="8026400" cy="5851525"/>
           </a:xfrm>
         </p:spPr>
         <p:txBody>
@@ -615,44 +609,44 @@
           <a:p>
             <a:pPr lvl="0"/>
             <a:r>
-              <a:rPr kumimoji="1" lang="zh-TW" altLang="en-US" smtClean="0"/>
-              <a:t>按一下以編輯母片文字樣式</a:t>
+              <a:rPr lang="en-US" altLang="zh-TW" smtClean="0"/>
+              <a:t>Edit Master text styles</a:t>
             </a:r>
           </a:p>
           <a:p>
             <a:pPr lvl="1"/>
             <a:r>
-              <a:rPr kumimoji="1" lang="zh-TW" altLang="en-US" smtClean="0"/>
-              <a:t>第二層</a:t>
+              <a:rPr lang="en-US" altLang="zh-TW" smtClean="0"/>
+              <a:t>Second level</a:t>
             </a:r>
           </a:p>
           <a:p>
             <a:pPr lvl="2"/>
             <a:r>
-              <a:rPr kumimoji="1" lang="zh-TW" altLang="en-US" smtClean="0"/>
-              <a:t>第三層</a:t>
+              <a:rPr lang="en-US" altLang="zh-TW" smtClean="0"/>
+              <a:t>Third level</a:t>
             </a:r>
           </a:p>
           <a:p>
             <a:pPr lvl="3"/>
             <a:r>
-              <a:rPr kumimoji="1" lang="zh-TW" altLang="en-US" smtClean="0"/>
-              <a:t>第四層</a:t>
+              <a:rPr lang="en-US" altLang="zh-TW" smtClean="0"/>
+              <a:t>Fourth level</a:t>
             </a:r>
           </a:p>
           <a:p>
             <a:pPr lvl="4"/>
             <a:r>
-              <a:rPr kumimoji="1" lang="zh-TW" altLang="en-US" smtClean="0"/>
-              <a:t>第五層</a:t>
-            </a:r>
-            <a:endParaRPr kumimoji="1" lang="ja-JP" altLang="en-US" dirty="0"/>
-          </a:p>
-        </p:txBody>
-      </p:sp>
-      <p:sp>
-        <p:nvSpPr>
-          <p:cNvPr id="4" name="図形 3"/>
+              <a:rPr lang="en-US" altLang="zh-TW" smtClean="0"/>
+              <a:t>Fifth level</a:t>
+            </a:r>
+            <a:endParaRPr lang="zh-TW" altLang="en-US"/>
+          </a:p>
+        </p:txBody>
+      </p:sp>
+      <p:sp>
+        <p:nvSpPr>
+          <p:cNvPr id="4" name="日期版面配置區 3"/>
           <p:cNvSpPr>
             <a:spLocks noGrp="1"/>
           </p:cNvSpPr>
@@ -660,19 +654,14 @@
             <p:ph type="dt" sz="half" idx="10"/>
           </p:nvPr>
         </p:nvSpPr>
-        <p:spPr>
-          <a:xfrm>
-            <a:off x="652450" y="6356350"/>
-            <a:ext cx="2133600" cy="365125"/>
-          </a:xfrm>
-        </p:spPr>
+        <p:spPr/>
         <p:txBody>
           <a:bodyPr/>
           <a:lstStyle/>
           <a:p>
             <a:fld id="{DB37BC26-CD71-4144-9EA3-A3A0297D4D7C}" type="datetimeFigureOut">
               <a:rPr lang="zh-TW" altLang="en-US" smtClean="0"/>
-              <a:t>2014/3/16</a:t>
+              <a:t>2021/6/3</a:t>
             </a:fld>
             <a:endParaRPr lang="zh-TW" altLang="en-US"/>
           </a:p>
@@ -680,7 +669,7 @@
       </p:sp>
       <p:sp>
         <p:nvSpPr>
-          <p:cNvPr id="5" name="図形 4"/>
+          <p:cNvPr id="5" name="頁尾版面配置區 4"/>
           <p:cNvSpPr>
             <a:spLocks noGrp="1"/>
           </p:cNvSpPr>
@@ -699,7 +688,7 @@
       </p:sp>
       <p:sp>
         <p:nvSpPr>
-          <p:cNvPr id="6" name="図形 5"/>
+          <p:cNvPr id="6" name="投影片編號版面配置區 5"/>
           <p:cNvSpPr>
             <a:spLocks noGrp="1"/>
           </p:cNvSpPr>
@@ -707,12 +696,7 @@
             <p:ph type="sldNum" sz="quarter" idx="12"/>
           </p:nvPr>
         </p:nvSpPr>
-        <p:spPr>
-          <a:xfrm>
-            <a:off x="6286512" y="6356350"/>
-            <a:ext cx="2133600" cy="365125"/>
-          </a:xfrm>
-        </p:spPr>
+        <p:spPr/>
         <p:txBody>
           <a:bodyPr/>
           <a:lstStyle/>
@@ -726,6 +710,11 @@
         </p:txBody>
       </p:sp>
     </p:spTree>
+    <p:extLst>
+      <p:ext uri="{BB962C8B-B14F-4D97-AF65-F5344CB8AC3E}">
+        <p14:creationId xmlns:p14="http://schemas.microsoft.com/office/powerpoint/2010/main" val="735965838"/>
+      </p:ext>
+    </p:extLst>
   </p:cSld>
   <p:clrMapOvr>
     <a:masterClrMapping/>
@@ -752,7 +741,7 @@
       </p:grpSpPr>
       <p:sp>
         <p:nvSpPr>
-          <p:cNvPr id="2" name="図形 1"/>
+          <p:cNvPr id="2" name="標題 1"/>
           <p:cNvSpPr>
             <a:spLocks noGrp="1"/>
           </p:cNvSpPr>
@@ -766,16 +755,16 @@
           <a:lstStyle/>
           <a:p>
             <a:r>
-              <a:rPr kumimoji="1" lang="zh-TW" altLang="en-US" smtClean="0"/>
-              <a:t>按一下以編輯母片標題樣式</a:t>
-            </a:r>
-            <a:endParaRPr kumimoji="1" lang="ja-JP" altLang="en-US"/>
-          </a:p>
-        </p:txBody>
-      </p:sp>
-      <p:sp>
-        <p:nvSpPr>
-          <p:cNvPr id="3" name="図形 2"/>
+              <a:rPr lang="en-US" altLang="zh-TW" smtClean="0"/>
+              <a:t>Click to edit Master title style</a:t>
+            </a:r>
+            <a:endParaRPr lang="zh-TW" altLang="en-US"/>
+          </a:p>
+        </p:txBody>
+      </p:sp>
+      <p:sp>
+        <p:nvSpPr>
+          <p:cNvPr id="3" name="內容版面配置區 2"/>
           <p:cNvSpPr>
             <a:spLocks noGrp="1"/>
           </p:cNvSpPr>
@@ -790,44 +779,44 @@
           <a:p>
             <a:pPr lvl="0"/>
             <a:r>
-              <a:rPr kumimoji="1" lang="zh-TW" altLang="en-US" smtClean="0"/>
-              <a:t>按一下以編輯母片文字樣式</a:t>
+              <a:rPr lang="en-US" altLang="zh-TW" smtClean="0"/>
+              <a:t>Edit Master text styles</a:t>
             </a:r>
           </a:p>
           <a:p>
             <a:pPr lvl="1"/>
             <a:r>
-              <a:rPr kumimoji="1" lang="zh-TW" altLang="en-US" smtClean="0"/>
-              <a:t>第二層</a:t>
+              <a:rPr lang="en-US" altLang="zh-TW" smtClean="0"/>
+              <a:t>Second level</a:t>
             </a:r>
           </a:p>
           <a:p>
             <a:pPr lvl="2"/>
             <a:r>
-              <a:rPr kumimoji="1" lang="zh-TW" altLang="en-US" smtClean="0"/>
-              <a:t>第三層</a:t>
+              <a:rPr lang="en-US" altLang="zh-TW" smtClean="0"/>
+              <a:t>Third level</a:t>
             </a:r>
           </a:p>
           <a:p>
             <a:pPr lvl="3"/>
             <a:r>
-              <a:rPr kumimoji="1" lang="zh-TW" altLang="en-US" smtClean="0"/>
-              <a:t>第四層</a:t>
+              <a:rPr lang="en-US" altLang="zh-TW" smtClean="0"/>
+              <a:t>Fourth level</a:t>
             </a:r>
           </a:p>
           <a:p>
             <a:pPr lvl="4"/>
             <a:r>
-              <a:rPr kumimoji="1" lang="zh-TW" altLang="en-US" smtClean="0"/>
-              <a:t>第五層</a:t>
-            </a:r>
-            <a:endParaRPr kumimoji="1" lang="ja-JP" altLang="en-US"/>
-          </a:p>
-        </p:txBody>
-      </p:sp>
-      <p:sp>
-        <p:nvSpPr>
-          <p:cNvPr id="4" name="図形 3"/>
+              <a:rPr lang="en-US" altLang="zh-TW" smtClean="0"/>
+              <a:t>Fifth level</a:t>
+            </a:r>
+            <a:endParaRPr lang="zh-TW" altLang="en-US"/>
+          </a:p>
+        </p:txBody>
+      </p:sp>
+      <p:sp>
+        <p:nvSpPr>
+          <p:cNvPr id="4" name="日期版面配置區 3"/>
           <p:cNvSpPr>
             <a:spLocks noGrp="1"/>
           </p:cNvSpPr>
@@ -842,7 +831,7 @@
           <a:p>
             <a:fld id="{DB37BC26-CD71-4144-9EA3-A3A0297D4D7C}" type="datetimeFigureOut">
               <a:rPr lang="zh-TW" altLang="en-US" smtClean="0"/>
-              <a:t>2014/3/16</a:t>
+              <a:t>2021/6/3</a:t>
             </a:fld>
             <a:endParaRPr lang="zh-TW" altLang="en-US"/>
           </a:p>
@@ -850,7 +839,7 @@
       </p:sp>
       <p:sp>
         <p:nvSpPr>
-          <p:cNvPr id="5" name="図形 4"/>
+          <p:cNvPr id="5" name="頁尾版面配置區 4"/>
           <p:cNvSpPr>
             <a:spLocks noGrp="1"/>
           </p:cNvSpPr>
@@ -869,7 +858,7 @@
       </p:sp>
       <p:sp>
         <p:nvSpPr>
-          <p:cNvPr id="6" name="図形 5"/>
+          <p:cNvPr id="6" name="投影片編號版面配置區 5"/>
           <p:cNvSpPr>
             <a:spLocks noGrp="1"/>
           </p:cNvSpPr>
@@ -891,6 +880,11 @@
         </p:txBody>
       </p:sp>
     </p:spTree>
+    <p:extLst>
+      <p:ext uri="{BB962C8B-B14F-4D97-AF65-F5344CB8AC3E}">
+        <p14:creationId xmlns:p14="http://schemas.microsoft.com/office/powerpoint/2010/main" val="397682560"/>
+      </p:ext>
+    </p:extLst>
   </p:cSld>
   <p:clrMapOvr>
     <a:masterClrMapping/>
@@ -899,7 +893,7 @@
 </file>
 
 <file path=ppt/slideLayouts/slideLayout3.xml><?xml version="1.0" encoding="utf-8"?>
-<p:sldLayout xmlns:a="http://schemas.openxmlformats.org/drawingml/2006/main" xmlns:r="http://schemas.openxmlformats.org/officeDocument/2006/relationships" xmlns:p="http://schemas.openxmlformats.org/presentationml/2006/main" showMasterSp="0" type="secHead" preserve="1">
+<p:sldLayout xmlns:a="http://schemas.openxmlformats.org/drawingml/2006/main" xmlns:r="http://schemas.openxmlformats.org/officeDocument/2006/relationships" xmlns:p="http://schemas.openxmlformats.org/presentationml/2006/main" type="secHead" preserve="1">
   <p:cSld name="區段標題">
     <p:spTree>
       <p:nvGrpSpPr>
@@ -917,7 +911,7 @@
       </p:grpSpPr>
       <p:sp>
         <p:nvSpPr>
-          <p:cNvPr id="2" name="図形 1"/>
+          <p:cNvPr id="2" name="標題 1"/>
           <p:cNvSpPr>
             <a:spLocks noGrp="1"/>
           </p:cNvSpPr>
@@ -927,8 +921,8 @@
         </p:nvSpPr>
         <p:spPr>
           <a:xfrm>
-            <a:off x="1000100" y="4714884"/>
-            <a:ext cx="7215239" cy="862009"/>
+            <a:off x="963084" y="4406903"/>
+            <a:ext cx="10363200" cy="1362075"/>
           </a:xfrm>
         </p:spPr>
         <p:txBody>
@@ -940,16 +934,16 @@
           </a:lstStyle>
           <a:p>
             <a:r>
-              <a:rPr kumimoji="1" lang="zh-TW" altLang="en-US" smtClean="0"/>
-              <a:t>按一下以編輯母片標題樣式</a:t>
-            </a:r>
-            <a:endParaRPr kumimoji="1" lang="ja-JP" altLang="en-US" dirty="0"/>
-          </a:p>
-        </p:txBody>
-      </p:sp>
-      <p:sp>
-        <p:nvSpPr>
-          <p:cNvPr id="3" name="図形 2"/>
+              <a:rPr lang="en-US" altLang="zh-TW" smtClean="0"/>
+              <a:t>Click to edit Master title style</a:t>
+            </a:r>
+            <a:endParaRPr lang="zh-TW" altLang="en-US"/>
+          </a:p>
+        </p:txBody>
+      </p:sp>
+      <p:sp>
+        <p:nvSpPr>
+          <p:cNvPr id="3" name="文字版面配置區 2"/>
           <p:cNvSpPr>
             <a:spLocks noGrp="1"/>
           </p:cNvSpPr>
@@ -959,8 +953,8 @@
         </p:nvSpPr>
         <p:spPr>
           <a:xfrm>
-            <a:off x="1000101" y="2857496"/>
-            <a:ext cx="7215238" cy="1785950"/>
+            <a:off x="963084" y="2906713"/>
+            <a:ext cx="10363200" cy="1500187"/>
           </a:xfrm>
         </p:spPr>
         <p:txBody>
@@ -970,73 +964,33 @@
               <a:buNone/>
               <a:defRPr sz="2000">
                 <a:solidFill>
-                  <a:schemeClr val="tx2"/>
-                </a:solidFill>
-              </a:defRPr>
-            </a:lvl1pPr>
-            <a:lvl2pPr marL="457200" indent="0">
-              <a:buNone/>
-              <a:defRPr sz="1800">
-                <a:solidFill>
-                  <a:schemeClr val="tx2"/>
-                </a:solidFill>
-              </a:defRPr>
-            </a:lvl2pPr>
-            <a:lvl3pPr marL="914400" indent="0">
-              <a:buNone/>
-              <a:defRPr sz="1600">
-                <a:solidFill>
-                  <a:schemeClr val="tx2"/>
-                </a:solidFill>
-              </a:defRPr>
-            </a:lvl3pPr>
-            <a:lvl4pPr marL="1371600" indent="0">
-              <a:buNone/>
-              <a:defRPr sz="1400">
-                <a:solidFill>
-                  <a:schemeClr val="tx2"/>
-                </a:solidFill>
-              </a:defRPr>
-            </a:lvl4pPr>
-            <a:lvl5pPr marL="1828800" indent="0">
-              <a:buNone/>
-              <a:defRPr sz="1400">
-                <a:solidFill>
-                  <a:schemeClr val="tx2"/>
-                </a:solidFill>
-              </a:defRPr>
-            </a:lvl5pPr>
-            <a:lvl6pPr marL="2286000" indent="0">
-              <a:buNone/>
-              <a:defRPr sz="1400">
-                <a:solidFill>
                   <a:schemeClr val="tx1">
                     <a:tint val="75000"/>
                   </a:schemeClr>
                 </a:solidFill>
               </a:defRPr>
-            </a:lvl6pPr>
-            <a:lvl7pPr marL="2743200" indent="0">
-              <a:buNone/>
-              <a:defRPr sz="1400">
+            </a:lvl1pPr>
+            <a:lvl2pPr marL="457189" indent="0">
+              <a:buNone/>
+              <a:defRPr sz="1800">
                 <a:solidFill>
                   <a:schemeClr val="tx1">
                     <a:tint val="75000"/>
                   </a:schemeClr>
                 </a:solidFill>
               </a:defRPr>
-            </a:lvl7pPr>
-            <a:lvl8pPr marL="3200400" indent="0">
-              <a:buNone/>
-              <a:defRPr sz="1400">
+            </a:lvl2pPr>
+            <a:lvl3pPr marL="914378" indent="0">
+              <a:buNone/>
+              <a:defRPr sz="1600">
                 <a:solidFill>
                   <a:schemeClr val="tx1">
                     <a:tint val="75000"/>
                   </a:schemeClr>
                 </a:solidFill>
               </a:defRPr>
-            </a:lvl8pPr>
-            <a:lvl9pPr marL="3657600" indent="0">
+            </a:lvl3pPr>
+            <a:lvl4pPr marL="1371566" indent="0">
               <a:buNone/>
               <a:defRPr sz="1400">
                 <a:solidFill>
@@ -1045,122 +999,123 @@
                   </a:schemeClr>
                 </a:solidFill>
               </a:defRPr>
-            </a:lvl9pPr>
-          </a:lstStyle>
-          <a:p>
-            <a:pPr lvl="0"/>
-            <a:r>
-              <a:rPr kumimoji="1" lang="zh-TW" altLang="en-US" smtClean="0"/>
-              <a:t>按一下以編輯母片文字樣式</a:t>
-            </a:r>
-          </a:p>
-          <a:p>
-            <a:pPr lvl="1"/>
-            <a:r>
-              <a:rPr kumimoji="1" lang="zh-TW" altLang="en-US" smtClean="0"/>
-              <a:t>第二層</a:t>
-            </a:r>
-          </a:p>
-          <a:p>
-            <a:pPr lvl="2"/>
-            <a:r>
-              <a:rPr kumimoji="1" lang="zh-TW" altLang="en-US" smtClean="0"/>
-              <a:t>第三層</a:t>
-            </a:r>
-          </a:p>
-          <a:p>
-            <a:pPr lvl="3"/>
-            <a:r>
-              <a:rPr kumimoji="1" lang="zh-TW" altLang="en-US" smtClean="0"/>
-              <a:t>第四層</a:t>
-            </a:r>
-          </a:p>
-          <a:p>
-            <a:pPr lvl="4"/>
-            <a:r>
-              <a:rPr kumimoji="1" lang="zh-TW" altLang="en-US" smtClean="0"/>
-              <a:t>第五層</a:t>
-            </a:r>
-            <a:endParaRPr lang="ja-JP" dirty="0"/>
-          </a:p>
-        </p:txBody>
-      </p:sp>
-      <p:sp>
-        <p:nvSpPr>
-          <p:cNvPr id="4" name="図形 3"/>
-          <p:cNvSpPr>
-            <a:spLocks noGrp="1"/>
-          </p:cNvSpPr>
-          <p:nvPr>
-            <p:ph type="dt" sz="half" idx="10"/>
-          </p:nvPr>
-        </p:nvSpPr>
-        <p:spPr/>
-        <p:txBody>
-          <a:bodyPr/>
-          <a:lstStyle>
-            <a:lvl1pPr>
-              <a:defRPr>
+            </a:lvl4pPr>
+            <a:lvl5pPr marL="1828754" indent="0">
+              <a:buNone/>
+              <a:defRPr sz="1400">
                 <a:solidFill>
                   <a:schemeClr val="tx1">
                     <a:tint val="75000"/>
                   </a:schemeClr>
                 </a:solidFill>
               </a:defRPr>
-            </a:lvl1pPr>
-          </a:lstStyle>
-          <a:p>
-            <a:fld id="{DB37BC26-CD71-4144-9EA3-A3A0297D4D7C}" type="datetimeFigureOut">
-              <a:rPr lang="zh-TW" altLang="en-US" smtClean="0"/>
-              <a:t>2014/3/16</a:t>
-            </a:fld>
-            <a:endParaRPr lang="zh-TW" altLang="en-US"/>
-          </a:p>
-        </p:txBody>
-      </p:sp>
-      <p:sp>
-        <p:nvSpPr>
-          <p:cNvPr id="5" name="図形 4"/>
-          <p:cNvSpPr>
-            <a:spLocks noGrp="1"/>
-          </p:cNvSpPr>
-          <p:nvPr>
-            <p:ph type="ftr" sz="quarter" idx="11"/>
-          </p:nvPr>
-        </p:nvSpPr>
-        <p:spPr/>
-        <p:txBody>
-          <a:bodyPr/>
-          <a:lstStyle/>
-          <a:p>
-            <a:endParaRPr lang="zh-TW" altLang="en-US"/>
-          </a:p>
-        </p:txBody>
-      </p:sp>
-      <p:sp>
-        <p:nvSpPr>
-          <p:cNvPr id="6" name="図形 5"/>
-          <p:cNvSpPr>
-            <a:spLocks noGrp="1"/>
-          </p:cNvSpPr>
-          <p:nvPr>
-            <p:ph type="sldNum" sz="quarter" idx="12"/>
-          </p:nvPr>
-        </p:nvSpPr>
-        <p:spPr/>
-        <p:txBody>
-          <a:bodyPr/>
-          <a:lstStyle>
-            <a:lvl1pPr>
-              <a:defRPr>
+            </a:lvl5pPr>
+            <a:lvl6pPr marL="2285943" indent="0">
+              <a:buNone/>
+              <a:defRPr sz="1400">
                 <a:solidFill>
                   <a:schemeClr val="tx1">
                     <a:tint val="75000"/>
                   </a:schemeClr>
                 </a:solidFill>
               </a:defRPr>
-            </a:lvl1pPr>
+            </a:lvl6pPr>
+            <a:lvl7pPr marL="2743132" indent="0">
+              <a:buNone/>
+              <a:defRPr sz="1400">
+                <a:solidFill>
+                  <a:schemeClr val="tx1">
+                    <a:tint val="75000"/>
+                  </a:schemeClr>
+                </a:solidFill>
+              </a:defRPr>
+            </a:lvl7pPr>
+            <a:lvl8pPr marL="3200320" indent="0">
+              <a:buNone/>
+              <a:defRPr sz="1400">
+                <a:solidFill>
+                  <a:schemeClr val="tx1">
+                    <a:tint val="75000"/>
+                  </a:schemeClr>
+                </a:solidFill>
+              </a:defRPr>
+            </a:lvl8pPr>
+            <a:lvl9pPr marL="3657509" indent="0">
+              <a:buNone/>
+              <a:defRPr sz="1400">
+                <a:solidFill>
+                  <a:schemeClr val="tx1">
+                    <a:tint val="75000"/>
+                  </a:schemeClr>
+                </a:solidFill>
+              </a:defRPr>
+            </a:lvl9pPr>
           </a:lstStyle>
+          <a:p>
+            <a:pPr lvl="0"/>
+            <a:r>
+              <a:rPr lang="en-US" altLang="zh-TW" smtClean="0"/>
+              <a:t>Edit Master text styles</a:t>
+            </a:r>
+          </a:p>
+        </p:txBody>
+      </p:sp>
+      <p:sp>
+        <p:nvSpPr>
+          <p:cNvPr id="4" name="日期版面配置區 3"/>
+          <p:cNvSpPr>
+            <a:spLocks noGrp="1"/>
+          </p:cNvSpPr>
+          <p:nvPr>
+            <p:ph type="dt" sz="half" idx="10"/>
+          </p:nvPr>
+        </p:nvSpPr>
+        <p:spPr/>
+        <p:txBody>
+          <a:bodyPr/>
+          <a:lstStyle/>
+          <a:p>
+            <a:fld id="{DB37BC26-CD71-4144-9EA3-A3A0297D4D7C}" type="datetimeFigureOut">
+              <a:rPr lang="zh-TW" altLang="en-US" smtClean="0"/>
+              <a:t>2021/6/3</a:t>
+            </a:fld>
+            <a:endParaRPr lang="zh-TW" altLang="en-US"/>
+          </a:p>
+        </p:txBody>
+      </p:sp>
+      <p:sp>
+        <p:nvSpPr>
+          <p:cNvPr id="5" name="頁尾版面配置區 4"/>
+          <p:cNvSpPr>
+            <a:spLocks noGrp="1"/>
+          </p:cNvSpPr>
+          <p:nvPr>
+            <p:ph type="ftr" sz="quarter" idx="11"/>
+          </p:nvPr>
+        </p:nvSpPr>
+        <p:spPr/>
+        <p:txBody>
+          <a:bodyPr/>
+          <a:lstStyle/>
+          <a:p>
+            <a:endParaRPr lang="zh-TW" altLang="en-US"/>
+          </a:p>
+        </p:txBody>
+      </p:sp>
+      <p:sp>
+        <p:nvSpPr>
+          <p:cNvPr id="6" name="投影片編號版面配置區 5"/>
+          <p:cNvSpPr>
+            <a:spLocks noGrp="1"/>
+          </p:cNvSpPr>
+          <p:nvPr>
+            <p:ph type="sldNum" sz="quarter" idx="12"/>
+          </p:nvPr>
+        </p:nvSpPr>
+        <p:spPr/>
+        <p:txBody>
+          <a:bodyPr/>
+          <a:lstStyle/>
           <a:p>
             <a:fld id="{8A4B86B2-AB42-456E-9B6A-15F4E6499984}" type="slidenum">
               <a:rPr lang="zh-TW" altLang="en-US" smtClean="0"/>
@@ -1171,6 +1126,11 @@
         </p:txBody>
       </p:sp>
     </p:spTree>
+    <p:extLst>
+      <p:ext uri="{BB962C8B-B14F-4D97-AF65-F5344CB8AC3E}">
+        <p14:creationId xmlns:p14="http://schemas.microsoft.com/office/powerpoint/2010/main" val="2546412499"/>
+      </p:ext>
+    </p:extLst>
   </p:cSld>
   <p:clrMapOvr>
     <a:masterClrMapping/>
@@ -1197,7 +1157,7 @@
       </p:grpSpPr>
       <p:sp>
         <p:nvSpPr>
-          <p:cNvPr id="2" name="図形 1"/>
+          <p:cNvPr id="2" name="標題 1"/>
           <p:cNvSpPr>
             <a:spLocks noGrp="1"/>
           </p:cNvSpPr>
@@ -1211,16 +1171,16 @@
           <a:lstStyle/>
           <a:p>
             <a:r>
-              <a:rPr kumimoji="1" lang="zh-TW" altLang="en-US" smtClean="0"/>
-              <a:t>按一下以編輯母片標題樣式</a:t>
-            </a:r>
-            <a:endParaRPr kumimoji="1" lang="ja-JP" altLang="en-US"/>
-          </a:p>
-        </p:txBody>
-      </p:sp>
-      <p:sp>
-        <p:nvSpPr>
-          <p:cNvPr id="3" name="図形 2"/>
+              <a:rPr lang="en-US" altLang="zh-TW" smtClean="0"/>
+              <a:t>Click to edit Master title style</a:t>
+            </a:r>
+            <a:endParaRPr lang="zh-TW" altLang="en-US"/>
+          </a:p>
+        </p:txBody>
+      </p:sp>
+      <p:sp>
+        <p:nvSpPr>
+          <p:cNvPr id="3" name="內容版面配置區 2"/>
           <p:cNvSpPr>
             <a:spLocks noGrp="1"/>
           </p:cNvSpPr>
@@ -1230,8 +1190,8 @@
         </p:nvSpPr>
         <p:spPr>
           <a:xfrm>
-            <a:off x="457200" y="1600200"/>
-            <a:ext cx="4038600" cy="4525963"/>
+            <a:off x="609600" y="1600203"/>
+            <a:ext cx="5384800" cy="4525963"/>
           </a:xfrm>
         </p:spPr>
         <p:txBody>
@@ -1268,44 +1228,44 @@
           <a:p>
             <a:pPr lvl="0"/>
             <a:r>
-              <a:rPr kumimoji="1" lang="zh-TW" altLang="en-US" smtClean="0"/>
-              <a:t>按一下以編輯母片文字樣式</a:t>
+              <a:rPr lang="en-US" altLang="zh-TW" smtClean="0"/>
+              <a:t>Edit Master text styles</a:t>
             </a:r>
           </a:p>
           <a:p>
             <a:pPr lvl="1"/>
             <a:r>
-              <a:rPr kumimoji="1" lang="zh-TW" altLang="en-US" smtClean="0"/>
-              <a:t>第二層</a:t>
+              <a:rPr lang="en-US" altLang="zh-TW" smtClean="0"/>
+              <a:t>Second level</a:t>
             </a:r>
           </a:p>
           <a:p>
             <a:pPr lvl="2"/>
             <a:r>
-              <a:rPr kumimoji="1" lang="zh-TW" altLang="en-US" smtClean="0"/>
-              <a:t>第三層</a:t>
+              <a:rPr lang="en-US" altLang="zh-TW" smtClean="0"/>
+              <a:t>Third level</a:t>
             </a:r>
           </a:p>
           <a:p>
             <a:pPr lvl="3"/>
             <a:r>
-              <a:rPr kumimoji="1" lang="zh-TW" altLang="en-US" smtClean="0"/>
-              <a:t>第四層</a:t>
+              <a:rPr lang="en-US" altLang="zh-TW" smtClean="0"/>
+              <a:t>Fourth level</a:t>
             </a:r>
           </a:p>
           <a:p>
             <a:pPr lvl="4"/>
             <a:r>
-              <a:rPr kumimoji="1" lang="zh-TW" altLang="en-US" smtClean="0"/>
-              <a:t>第五層</a:t>
-            </a:r>
-            <a:endParaRPr kumimoji="1" lang="ja-JP" altLang="en-US"/>
-          </a:p>
-        </p:txBody>
-      </p:sp>
-      <p:sp>
-        <p:nvSpPr>
-          <p:cNvPr id="4" name="図形 3"/>
+              <a:rPr lang="en-US" altLang="zh-TW" smtClean="0"/>
+              <a:t>Fifth level</a:t>
+            </a:r>
+            <a:endParaRPr lang="zh-TW" altLang="en-US"/>
+          </a:p>
+        </p:txBody>
+      </p:sp>
+      <p:sp>
+        <p:nvSpPr>
+          <p:cNvPr id="4" name="內容版面配置區 3"/>
           <p:cNvSpPr>
             <a:spLocks noGrp="1"/>
           </p:cNvSpPr>
@@ -1315,8 +1275,8 @@
         </p:nvSpPr>
         <p:spPr>
           <a:xfrm>
-            <a:off x="4648200" y="1600200"/>
-            <a:ext cx="4038600" cy="4525963"/>
+            <a:off x="6197600" y="1600203"/>
+            <a:ext cx="5384800" cy="4525963"/>
           </a:xfrm>
         </p:spPr>
         <p:txBody>
@@ -1353,44 +1313,44 @@
           <a:p>
             <a:pPr lvl="0"/>
             <a:r>
-              <a:rPr kumimoji="1" lang="zh-TW" altLang="en-US" smtClean="0"/>
-              <a:t>按一下以編輯母片文字樣式</a:t>
+              <a:rPr lang="en-US" altLang="zh-TW" smtClean="0"/>
+              <a:t>Edit Master text styles</a:t>
             </a:r>
           </a:p>
           <a:p>
             <a:pPr lvl="1"/>
             <a:r>
-              <a:rPr kumimoji="1" lang="zh-TW" altLang="en-US" smtClean="0"/>
-              <a:t>第二層</a:t>
+              <a:rPr lang="en-US" altLang="zh-TW" smtClean="0"/>
+              <a:t>Second level</a:t>
             </a:r>
           </a:p>
           <a:p>
             <a:pPr lvl="2"/>
             <a:r>
-              <a:rPr kumimoji="1" lang="zh-TW" altLang="en-US" smtClean="0"/>
-              <a:t>第三層</a:t>
+              <a:rPr lang="en-US" altLang="zh-TW" smtClean="0"/>
+              <a:t>Third level</a:t>
             </a:r>
           </a:p>
           <a:p>
             <a:pPr lvl="3"/>
             <a:r>
-              <a:rPr kumimoji="1" lang="zh-TW" altLang="en-US" smtClean="0"/>
-              <a:t>第四層</a:t>
+              <a:rPr lang="en-US" altLang="zh-TW" smtClean="0"/>
+              <a:t>Fourth level</a:t>
             </a:r>
           </a:p>
           <a:p>
             <a:pPr lvl="4"/>
             <a:r>
-              <a:rPr kumimoji="1" lang="zh-TW" altLang="en-US" smtClean="0"/>
-              <a:t>第五層</a:t>
-            </a:r>
-            <a:endParaRPr kumimoji="1" lang="ja-JP" altLang="en-US"/>
-          </a:p>
-        </p:txBody>
-      </p:sp>
-      <p:sp>
-        <p:nvSpPr>
-          <p:cNvPr id="5" name="図形 4"/>
+              <a:rPr lang="en-US" altLang="zh-TW" smtClean="0"/>
+              <a:t>Fifth level</a:t>
+            </a:r>
+            <a:endParaRPr lang="zh-TW" altLang="en-US"/>
+          </a:p>
+        </p:txBody>
+      </p:sp>
+      <p:sp>
+        <p:nvSpPr>
+          <p:cNvPr id="5" name="日期版面配置區 4"/>
           <p:cNvSpPr>
             <a:spLocks noGrp="1"/>
           </p:cNvSpPr>
@@ -1405,7 +1365,7 @@
           <a:p>
             <a:fld id="{DB37BC26-CD71-4144-9EA3-A3A0297D4D7C}" type="datetimeFigureOut">
               <a:rPr lang="zh-TW" altLang="en-US" smtClean="0"/>
-              <a:t>2014/3/16</a:t>
+              <a:t>2021/6/3</a:t>
             </a:fld>
             <a:endParaRPr lang="zh-TW" altLang="en-US"/>
           </a:p>
@@ -1413,7 +1373,7 @@
       </p:sp>
       <p:sp>
         <p:nvSpPr>
-          <p:cNvPr id="6" name="図形 5"/>
+          <p:cNvPr id="6" name="頁尾版面配置區 5"/>
           <p:cNvSpPr>
             <a:spLocks noGrp="1"/>
           </p:cNvSpPr>
@@ -1432,7 +1392,7 @@
       </p:sp>
       <p:sp>
         <p:nvSpPr>
-          <p:cNvPr id="7" name="図形 6"/>
+          <p:cNvPr id="7" name="投影片編號版面配置區 6"/>
           <p:cNvSpPr>
             <a:spLocks noGrp="1"/>
           </p:cNvSpPr>
@@ -1454,6 +1414,11 @@
         </p:txBody>
       </p:sp>
     </p:spTree>
+    <p:extLst>
+      <p:ext uri="{BB962C8B-B14F-4D97-AF65-F5344CB8AC3E}">
+        <p14:creationId xmlns:p14="http://schemas.microsoft.com/office/powerpoint/2010/main" val="233337884"/>
+      </p:ext>
+    </p:extLst>
   </p:cSld>
   <p:clrMapOvr>
     <a:masterClrMapping/>
@@ -1480,7 +1445,7 @@
       </p:grpSpPr>
       <p:sp>
         <p:nvSpPr>
-          <p:cNvPr id="2" name="図形 1"/>
+          <p:cNvPr id="2" name="標題 1"/>
           <p:cNvSpPr>
             <a:spLocks noGrp="1"/>
           </p:cNvSpPr>
@@ -1498,16 +1463,16 @@
           </a:lstStyle>
           <a:p>
             <a:r>
-              <a:rPr kumimoji="1" lang="zh-TW" altLang="en-US" smtClean="0"/>
-              <a:t>按一下以編輯母片標題樣式</a:t>
-            </a:r>
-            <a:endParaRPr kumimoji="1" lang="ja-JP" altLang="en-US"/>
-          </a:p>
-        </p:txBody>
-      </p:sp>
-      <p:sp>
-        <p:nvSpPr>
-          <p:cNvPr id="3" name="図形 2"/>
+              <a:rPr lang="en-US" altLang="zh-TW" smtClean="0"/>
+              <a:t>Click to edit Master title style</a:t>
+            </a:r>
+            <a:endParaRPr lang="zh-TW" altLang="en-US"/>
+          </a:p>
+        </p:txBody>
+      </p:sp>
+      <p:sp>
+        <p:nvSpPr>
+          <p:cNvPr id="3" name="文字版面配置區 2"/>
           <p:cNvSpPr>
             <a:spLocks noGrp="1"/>
           </p:cNvSpPr>
@@ -1517,8 +1482,8 @@
         </p:nvSpPr>
         <p:spPr>
           <a:xfrm>
-            <a:off x="457200" y="1535113"/>
-            <a:ext cx="4040188" cy="639762"/>
+            <a:off x="609600" y="1535115"/>
+            <a:ext cx="5386917" cy="639763"/>
           </a:xfrm>
         </p:spPr>
         <p:txBody>
@@ -1528,35 +1493,35 @@
               <a:buNone/>
               <a:defRPr sz="2400" b="1"/>
             </a:lvl1pPr>
-            <a:lvl2pPr marL="457200" indent="0">
+            <a:lvl2pPr marL="457189" indent="0">
               <a:buNone/>
               <a:defRPr sz="2000" b="1"/>
             </a:lvl2pPr>
-            <a:lvl3pPr marL="914400" indent="0">
+            <a:lvl3pPr marL="914378" indent="0">
               <a:buNone/>
               <a:defRPr sz="1800" b="1"/>
             </a:lvl3pPr>
-            <a:lvl4pPr marL="1371600" indent="0">
+            <a:lvl4pPr marL="1371566" indent="0">
               <a:buNone/>
               <a:defRPr sz="1600" b="1"/>
             </a:lvl4pPr>
-            <a:lvl5pPr marL="1828800" indent="0">
+            <a:lvl5pPr marL="1828754" indent="0">
               <a:buNone/>
               <a:defRPr sz="1600" b="1"/>
             </a:lvl5pPr>
-            <a:lvl6pPr marL="2286000" indent="0">
+            <a:lvl6pPr marL="2285943" indent="0">
               <a:buNone/>
               <a:defRPr sz="1600" b="1"/>
             </a:lvl6pPr>
-            <a:lvl7pPr marL="2743200" indent="0">
+            <a:lvl7pPr marL="2743132" indent="0">
               <a:buNone/>
               <a:defRPr sz="1600" b="1"/>
             </a:lvl7pPr>
-            <a:lvl8pPr marL="3200400" indent="0">
+            <a:lvl8pPr marL="3200320" indent="0">
               <a:buNone/>
               <a:defRPr sz="1600" b="1"/>
             </a:lvl8pPr>
-            <a:lvl9pPr marL="3657600" indent="0">
+            <a:lvl9pPr marL="3657509" indent="0">
               <a:buNone/>
               <a:defRPr sz="1600" b="1"/>
             </a:lvl9pPr>
@@ -1564,44 +1529,15 @@
           <a:p>
             <a:pPr lvl="0"/>
             <a:r>
-              <a:rPr kumimoji="1" lang="zh-TW" altLang="en-US" smtClean="0"/>
-              <a:t>按一下以編輯母片文字樣式</a:t>
-            </a:r>
-          </a:p>
-          <a:p>
-            <a:pPr lvl="1"/>
-            <a:r>
-              <a:rPr kumimoji="1" lang="zh-TW" altLang="en-US" smtClean="0"/>
-              <a:t>第二層</a:t>
-            </a:r>
-          </a:p>
-          <a:p>
-            <a:pPr lvl="2"/>
-            <a:r>
-              <a:rPr kumimoji="1" lang="zh-TW" altLang="en-US" smtClean="0"/>
-              <a:t>第三層</a:t>
-            </a:r>
-          </a:p>
-          <a:p>
-            <a:pPr lvl="3"/>
-            <a:r>
-              <a:rPr kumimoji="1" lang="zh-TW" altLang="en-US" smtClean="0"/>
-              <a:t>第四層</a:t>
-            </a:r>
-          </a:p>
-          <a:p>
-            <a:pPr lvl="4"/>
-            <a:r>
-              <a:rPr kumimoji="1" lang="zh-TW" altLang="en-US" smtClean="0"/>
-              <a:t>第五層</a:t>
-            </a:r>
-            <a:endParaRPr lang="ja-JP"/>
-          </a:p>
-        </p:txBody>
-      </p:sp>
-      <p:sp>
-        <p:nvSpPr>
-          <p:cNvPr id="4" name="図形 3"/>
+              <a:rPr lang="en-US" altLang="zh-TW" smtClean="0"/>
+              <a:t>Edit Master text styles</a:t>
+            </a:r>
+          </a:p>
+        </p:txBody>
+      </p:sp>
+      <p:sp>
+        <p:nvSpPr>
+          <p:cNvPr id="4" name="內容版面配置區 3"/>
           <p:cNvSpPr>
             <a:spLocks noGrp="1"/>
           </p:cNvSpPr>
@@ -1611,8 +1547,8 @@
         </p:nvSpPr>
         <p:spPr>
           <a:xfrm>
-            <a:off x="457200" y="2174875"/>
-            <a:ext cx="4040188" cy="3951288"/>
+            <a:off x="609600" y="2174875"/>
+            <a:ext cx="5386917" cy="3951288"/>
           </a:xfrm>
         </p:spPr>
         <p:txBody>
@@ -1649,44 +1585,44 @@
           <a:p>
             <a:pPr lvl="0"/>
             <a:r>
-              <a:rPr kumimoji="1" lang="zh-TW" altLang="en-US" smtClean="0"/>
-              <a:t>按一下以編輯母片文字樣式</a:t>
+              <a:rPr lang="en-US" altLang="zh-TW" smtClean="0"/>
+              <a:t>Edit Master text styles</a:t>
             </a:r>
           </a:p>
           <a:p>
             <a:pPr lvl="1"/>
             <a:r>
-              <a:rPr kumimoji="1" lang="zh-TW" altLang="en-US" smtClean="0"/>
-              <a:t>第二層</a:t>
+              <a:rPr lang="en-US" altLang="zh-TW" smtClean="0"/>
+              <a:t>Second level</a:t>
             </a:r>
           </a:p>
           <a:p>
             <a:pPr lvl="2"/>
             <a:r>
-              <a:rPr kumimoji="1" lang="zh-TW" altLang="en-US" smtClean="0"/>
-              <a:t>第三層</a:t>
+              <a:rPr lang="en-US" altLang="zh-TW" smtClean="0"/>
+              <a:t>Third level</a:t>
             </a:r>
           </a:p>
           <a:p>
             <a:pPr lvl="3"/>
             <a:r>
-              <a:rPr kumimoji="1" lang="zh-TW" altLang="en-US" smtClean="0"/>
-              <a:t>第四層</a:t>
+              <a:rPr lang="en-US" altLang="zh-TW" smtClean="0"/>
+              <a:t>Fourth level</a:t>
             </a:r>
           </a:p>
           <a:p>
             <a:pPr lvl="4"/>
             <a:r>
-              <a:rPr kumimoji="1" lang="zh-TW" altLang="en-US" smtClean="0"/>
-              <a:t>第五層</a:t>
-            </a:r>
-            <a:endParaRPr kumimoji="1" lang="ja-JP" altLang="en-US"/>
-          </a:p>
-        </p:txBody>
-      </p:sp>
-      <p:sp>
-        <p:nvSpPr>
-          <p:cNvPr id="5" name="図形 4"/>
+              <a:rPr lang="en-US" altLang="zh-TW" smtClean="0"/>
+              <a:t>Fifth level</a:t>
+            </a:r>
+            <a:endParaRPr lang="zh-TW" altLang="en-US"/>
+          </a:p>
+        </p:txBody>
+      </p:sp>
+      <p:sp>
+        <p:nvSpPr>
+          <p:cNvPr id="5" name="文字版面配置區 4"/>
           <p:cNvSpPr>
             <a:spLocks noGrp="1"/>
           </p:cNvSpPr>
@@ -1696,8 +1632,8 @@
         </p:nvSpPr>
         <p:spPr>
           <a:xfrm>
-            <a:off x="4645025" y="1535113"/>
-            <a:ext cx="4041775" cy="639762"/>
+            <a:off x="6193370" y="1535115"/>
+            <a:ext cx="5389033" cy="639763"/>
           </a:xfrm>
         </p:spPr>
         <p:txBody>
@@ -1707,35 +1643,35 @@
               <a:buNone/>
               <a:defRPr sz="2400" b="1"/>
             </a:lvl1pPr>
-            <a:lvl2pPr marL="457200" indent="0">
+            <a:lvl2pPr marL="457189" indent="0">
               <a:buNone/>
               <a:defRPr sz="2000" b="1"/>
             </a:lvl2pPr>
-            <a:lvl3pPr marL="914400" indent="0">
+            <a:lvl3pPr marL="914378" indent="0">
               <a:buNone/>
               <a:defRPr sz="1800" b="1"/>
             </a:lvl3pPr>
-            <a:lvl4pPr marL="1371600" indent="0">
+            <a:lvl4pPr marL="1371566" indent="0">
               <a:buNone/>
               <a:defRPr sz="1600" b="1"/>
             </a:lvl4pPr>
-            <a:lvl5pPr marL="1828800" indent="0">
+            <a:lvl5pPr marL="1828754" indent="0">
               <a:buNone/>
               <a:defRPr sz="1600" b="1"/>
             </a:lvl5pPr>
-            <a:lvl6pPr marL="2286000" indent="0">
+            <a:lvl6pPr marL="2285943" indent="0">
               <a:buNone/>
               <a:defRPr sz="1600" b="1"/>
             </a:lvl6pPr>
-            <a:lvl7pPr marL="2743200" indent="0">
+            <a:lvl7pPr marL="2743132" indent="0">
               <a:buNone/>
               <a:defRPr sz="1600" b="1"/>
             </a:lvl7pPr>
-            <a:lvl8pPr marL="3200400" indent="0">
+            <a:lvl8pPr marL="3200320" indent="0">
               <a:buNone/>
               <a:defRPr sz="1600" b="1"/>
             </a:lvl8pPr>
-            <a:lvl9pPr marL="3657600" indent="0">
+            <a:lvl9pPr marL="3657509" indent="0">
               <a:buNone/>
               <a:defRPr sz="1600" b="1"/>
             </a:lvl9pPr>
@@ -1743,44 +1679,15 @@
           <a:p>
             <a:pPr lvl="0"/>
             <a:r>
-              <a:rPr kumimoji="1" lang="zh-TW" altLang="en-US" smtClean="0"/>
-              <a:t>按一下以編輯母片文字樣式</a:t>
-            </a:r>
-          </a:p>
-          <a:p>
-            <a:pPr lvl="1"/>
-            <a:r>
-              <a:rPr kumimoji="1" lang="zh-TW" altLang="en-US" smtClean="0"/>
-              <a:t>第二層</a:t>
-            </a:r>
-          </a:p>
-          <a:p>
-            <a:pPr lvl="2"/>
-            <a:r>
-              <a:rPr kumimoji="1" lang="zh-TW" altLang="en-US" smtClean="0"/>
-              <a:t>第三層</a:t>
-            </a:r>
-          </a:p>
-          <a:p>
-            <a:pPr lvl="3"/>
-            <a:r>
-              <a:rPr kumimoji="1" lang="zh-TW" altLang="en-US" smtClean="0"/>
-              <a:t>第四層</a:t>
-            </a:r>
-          </a:p>
-          <a:p>
-            <a:pPr lvl="4"/>
-            <a:r>
-              <a:rPr kumimoji="1" lang="zh-TW" altLang="en-US" smtClean="0"/>
-              <a:t>第五層</a:t>
-            </a:r>
-            <a:endParaRPr lang="ja-JP"/>
-          </a:p>
-        </p:txBody>
-      </p:sp>
-      <p:sp>
-        <p:nvSpPr>
-          <p:cNvPr id="6" name="図形 5"/>
+              <a:rPr lang="en-US" altLang="zh-TW" smtClean="0"/>
+              <a:t>Edit Master text styles</a:t>
+            </a:r>
+          </a:p>
+        </p:txBody>
+      </p:sp>
+      <p:sp>
+        <p:nvSpPr>
+          <p:cNvPr id="6" name="內容版面配置區 5"/>
           <p:cNvSpPr>
             <a:spLocks noGrp="1"/>
           </p:cNvSpPr>
@@ -1790,8 +1697,8 @@
         </p:nvSpPr>
         <p:spPr>
           <a:xfrm>
-            <a:off x="4645025" y="2174875"/>
-            <a:ext cx="4041775" cy="3951288"/>
+            <a:off x="6193370" y="2174875"/>
+            <a:ext cx="5389033" cy="3951288"/>
           </a:xfrm>
         </p:spPr>
         <p:txBody>
@@ -1828,44 +1735,44 @@
           <a:p>
             <a:pPr lvl="0"/>
             <a:r>
-              <a:rPr kumimoji="1" lang="zh-TW" altLang="en-US" smtClean="0"/>
-              <a:t>按一下以編輯母片文字樣式</a:t>
+              <a:rPr lang="en-US" altLang="zh-TW" smtClean="0"/>
+              <a:t>Edit Master text styles</a:t>
             </a:r>
           </a:p>
           <a:p>
             <a:pPr lvl="1"/>
             <a:r>
-              <a:rPr kumimoji="1" lang="zh-TW" altLang="en-US" smtClean="0"/>
-              <a:t>第二層</a:t>
+              <a:rPr lang="en-US" altLang="zh-TW" smtClean="0"/>
+              <a:t>Second level</a:t>
             </a:r>
           </a:p>
           <a:p>
             <a:pPr lvl="2"/>
             <a:r>
-              <a:rPr kumimoji="1" lang="zh-TW" altLang="en-US" smtClean="0"/>
-              <a:t>第三層</a:t>
+              <a:rPr lang="en-US" altLang="zh-TW" smtClean="0"/>
+              <a:t>Third level</a:t>
             </a:r>
           </a:p>
           <a:p>
             <a:pPr lvl="3"/>
             <a:r>
-              <a:rPr kumimoji="1" lang="zh-TW" altLang="en-US" smtClean="0"/>
-              <a:t>第四層</a:t>
+              <a:rPr lang="en-US" altLang="zh-TW" smtClean="0"/>
+              <a:t>Fourth level</a:t>
             </a:r>
           </a:p>
           <a:p>
             <a:pPr lvl="4"/>
             <a:r>
-              <a:rPr kumimoji="1" lang="zh-TW" altLang="en-US" smtClean="0"/>
-              <a:t>第五層</a:t>
-            </a:r>
-            <a:endParaRPr kumimoji="1" lang="ja-JP" altLang="en-US"/>
-          </a:p>
-        </p:txBody>
-      </p:sp>
-      <p:sp>
-        <p:nvSpPr>
-          <p:cNvPr id="7" name="図形 6"/>
+              <a:rPr lang="en-US" altLang="zh-TW" smtClean="0"/>
+              <a:t>Fifth level</a:t>
+            </a:r>
+            <a:endParaRPr lang="zh-TW" altLang="en-US"/>
+          </a:p>
+        </p:txBody>
+      </p:sp>
+      <p:sp>
+        <p:nvSpPr>
+          <p:cNvPr id="7" name="日期版面配置區 6"/>
           <p:cNvSpPr>
             <a:spLocks noGrp="1"/>
           </p:cNvSpPr>
@@ -1880,7 +1787,7 @@
           <a:p>
             <a:fld id="{DB37BC26-CD71-4144-9EA3-A3A0297D4D7C}" type="datetimeFigureOut">
               <a:rPr lang="zh-TW" altLang="en-US" smtClean="0"/>
-              <a:t>2014/3/16</a:t>
+              <a:t>2021/6/3</a:t>
             </a:fld>
             <a:endParaRPr lang="zh-TW" altLang="en-US"/>
           </a:p>
@@ -1888,7 +1795,7 @@
       </p:sp>
       <p:sp>
         <p:nvSpPr>
-          <p:cNvPr id="8" name="図形 7"/>
+          <p:cNvPr id="8" name="頁尾版面配置區 7"/>
           <p:cNvSpPr>
             <a:spLocks noGrp="1"/>
           </p:cNvSpPr>
@@ -1907,7 +1814,7 @@
       </p:sp>
       <p:sp>
         <p:nvSpPr>
-          <p:cNvPr id="9" name="図形 8"/>
+          <p:cNvPr id="9" name="投影片編號版面配置區 8"/>
           <p:cNvSpPr>
             <a:spLocks noGrp="1"/>
           </p:cNvSpPr>
@@ -1929,6 +1836,11 @@
         </p:txBody>
       </p:sp>
     </p:spTree>
+    <p:extLst>
+      <p:ext uri="{BB962C8B-B14F-4D97-AF65-F5344CB8AC3E}">
+        <p14:creationId xmlns:p14="http://schemas.microsoft.com/office/powerpoint/2010/main" val="2191243427"/>
+      </p:ext>
+    </p:extLst>
   </p:cSld>
   <p:clrMapOvr>
     <a:masterClrMapping/>
@@ -1955,7 +1867,7 @@
       </p:grpSpPr>
       <p:sp>
         <p:nvSpPr>
-          <p:cNvPr id="2" name="図形 1"/>
+          <p:cNvPr id="2" name="標題 1"/>
           <p:cNvSpPr>
             <a:spLocks noGrp="1"/>
           </p:cNvSpPr>
@@ -1963,27 +1875,22 @@
             <p:ph type="title"/>
           </p:nvPr>
         </p:nvSpPr>
-        <p:spPr>
-          <a:xfrm>
-            <a:off x="1671646" y="4572008"/>
-            <a:ext cx="6400816" cy="928686"/>
-          </a:xfrm>
-        </p:spPr>
-        <p:txBody>
-          <a:bodyPr/>
-          <a:lstStyle/>
-          <a:p>
-            <a:r>
-              <a:rPr kumimoji="1" lang="zh-TW" altLang="en-US" smtClean="0"/>
-              <a:t>按一下以編輯母片標題樣式</a:t>
-            </a:r>
-            <a:endParaRPr kumimoji="1" lang="ja-JP" altLang="en-US" dirty="0"/>
-          </a:p>
-        </p:txBody>
-      </p:sp>
-      <p:sp>
-        <p:nvSpPr>
-          <p:cNvPr id="3" name="図形 2"/>
+        <p:spPr/>
+        <p:txBody>
+          <a:bodyPr/>
+          <a:lstStyle/>
+          <a:p>
+            <a:r>
+              <a:rPr lang="en-US" altLang="zh-TW" smtClean="0"/>
+              <a:t>Click to edit Master title style</a:t>
+            </a:r>
+            <a:endParaRPr lang="zh-TW" altLang="en-US"/>
+          </a:p>
+        </p:txBody>
+      </p:sp>
+      <p:sp>
+        <p:nvSpPr>
+          <p:cNvPr id="3" name="日期版面配置區 2"/>
           <p:cNvSpPr>
             <a:spLocks noGrp="1"/>
           </p:cNvSpPr>
@@ -1998,7 +1905,7 @@
           <a:p>
             <a:fld id="{DB37BC26-CD71-4144-9EA3-A3A0297D4D7C}" type="datetimeFigureOut">
               <a:rPr lang="zh-TW" altLang="en-US" smtClean="0"/>
-              <a:t>2014/3/16</a:t>
+              <a:t>2021/6/3</a:t>
             </a:fld>
             <a:endParaRPr lang="zh-TW" altLang="en-US"/>
           </a:p>
@@ -2006,7 +1913,7 @@
       </p:sp>
       <p:sp>
         <p:nvSpPr>
-          <p:cNvPr id="4" name="図形 3"/>
+          <p:cNvPr id="4" name="頁尾版面配置區 3"/>
           <p:cNvSpPr>
             <a:spLocks noGrp="1"/>
           </p:cNvSpPr>
@@ -2025,7 +1932,7 @@
       </p:sp>
       <p:sp>
         <p:nvSpPr>
-          <p:cNvPr id="5" name="図形 4"/>
+          <p:cNvPr id="5" name="投影片編號版面配置區 4"/>
           <p:cNvSpPr>
             <a:spLocks noGrp="1"/>
           </p:cNvSpPr>
@@ -2047,6 +1954,11 @@
         </p:txBody>
       </p:sp>
     </p:spTree>
+    <p:extLst>
+      <p:ext uri="{BB962C8B-B14F-4D97-AF65-F5344CB8AC3E}">
+        <p14:creationId xmlns:p14="http://schemas.microsoft.com/office/powerpoint/2010/main" val="1103967191"/>
+      </p:ext>
+    </p:extLst>
   </p:cSld>
   <p:clrMapOvr>
     <a:masterClrMapping/>
@@ -2073,7 +1985,7 @@
       </p:grpSpPr>
       <p:sp>
         <p:nvSpPr>
-          <p:cNvPr id="2" name="図形 1"/>
+          <p:cNvPr id="2" name="日期版面配置區 1"/>
           <p:cNvSpPr>
             <a:spLocks noGrp="1"/>
           </p:cNvSpPr>
@@ -2088,7 +2000,7 @@
           <a:p>
             <a:fld id="{DB37BC26-CD71-4144-9EA3-A3A0297D4D7C}" type="datetimeFigureOut">
               <a:rPr lang="zh-TW" altLang="en-US" smtClean="0"/>
-              <a:t>2014/3/16</a:t>
+              <a:t>2021/6/3</a:t>
             </a:fld>
             <a:endParaRPr lang="zh-TW" altLang="en-US"/>
           </a:p>
@@ -2096,7 +2008,7 @@
       </p:sp>
       <p:sp>
         <p:nvSpPr>
-          <p:cNvPr id="3" name="図形 2"/>
+          <p:cNvPr id="3" name="頁尾版面配置區 2"/>
           <p:cNvSpPr>
             <a:spLocks noGrp="1"/>
           </p:cNvSpPr>
@@ -2115,7 +2027,7 @@
       </p:sp>
       <p:sp>
         <p:nvSpPr>
-          <p:cNvPr id="4" name="図形 3"/>
+          <p:cNvPr id="4" name="投影片編號版面配置區 3"/>
           <p:cNvSpPr>
             <a:spLocks noGrp="1"/>
           </p:cNvSpPr>
@@ -2137,6 +2049,11 @@
         </p:txBody>
       </p:sp>
     </p:spTree>
+    <p:extLst>
+      <p:ext uri="{BB962C8B-B14F-4D97-AF65-F5344CB8AC3E}">
+        <p14:creationId xmlns:p14="http://schemas.microsoft.com/office/powerpoint/2010/main" val="1046219078"/>
+      </p:ext>
+    </p:extLst>
   </p:cSld>
   <p:clrMapOvr>
     <a:masterClrMapping/>
@@ -2163,7 +2080,7 @@
       </p:grpSpPr>
       <p:sp>
         <p:nvSpPr>
-          <p:cNvPr id="2" name="図形 1"/>
+          <p:cNvPr id="2" name="標題 1"/>
           <p:cNvSpPr>
             <a:spLocks noGrp="1"/>
           </p:cNvSpPr>
@@ -2173,8 +2090,8 @@
         </p:nvSpPr>
         <p:spPr>
           <a:xfrm>
-            <a:off x="457200" y="273050"/>
-            <a:ext cx="3008313" cy="1162050"/>
+            <a:off x="609603" y="273051"/>
+            <a:ext cx="4011084" cy="1162051"/>
           </a:xfrm>
         </p:spPr>
         <p:txBody>
@@ -2186,16 +2103,16 @@
           </a:lstStyle>
           <a:p>
             <a:r>
-              <a:rPr kumimoji="1" lang="zh-TW" altLang="en-US" smtClean="0"/>
-              <a:t>按一下以編輯母片標題樣式</a:t>
-            </a:r>
-            <a:endParaRPr kumimoji="1" lang="ja-JP" altLang="en-US"/>
-          </a:p>
-        </p:txBody>
-      </p:sp>
-      <p:sp>
-        <p:nvSpPr>
-          <p:cNvPr id="3" name="図形 2"/>
+              <a:rPr lang="en-US" altLang="zh-TW" smtClean="0"/>
+              <a:t>Click to edit Master title style</a:t>
+            </a:r>
+            <a:endParaRPr lang="zh-TW" altLang="en-US"/>
+          </a:p>
+        </p:txBody>
+      </p:sp>
+      <p:sp>
+        <p:nvSpPr>
+          <p:cNvPr id="3" name="內容版面配置區 2"/>
           <p:cNvSpPr>
             <a:spLocks noGrp="1"/>
           </p:cNvSpPr>
@@ -2205,8 +2122,8 @@
         </p:nvSpPr>
         <p:spPr>
           <a:xfrm>
-            <a:off x="3575050" y="1428737"/>
-            <a:ext cx="5111750" cy="4697427"/>
+            <a:off x="4766733" y="273054"/>
+            <a:ext cx="6815667" cy="5853113"/>
           </a:xfrm>
         </p:spPr>
         <p:txBody>
@@ -2243,44 +2160,44 @@
           <a:p>
             <a:pPr lvl="0"/>
             <a:r>
-              <a:rPr kumimoji="1" lang="zh-TW" altLang="en-US" smtClean="0"/>
-              <a:t>按一下以編輯母片文字樣式</a:t>
+              <a:rPr lang="en-US" altLang="zh-TW" smtClean="0"/>
+              <a:t>Edit Master text styles</a:t>
             </a:r>
           </a:p>
           <a:p>
             <a:pPr lvl="1"/>
             <a:r>
-              <a:rPr kumimoji="1" lang="zh-TW" altLang="en-US" smtClean="0"/>
-              <a:t>第二層</a:t>
+              <a:rPr lang="en-US" altLang="zh-TW" smtClean="0"/>
+              <a:t>Second level</a:t>
             </a:r>
           </a:p>
           <a:p>
             <a:pPr lvl="2"/>
             <a:r>
-              <a:rPr kumimoji="1" lang="zh-TW" altLang="en-US" smtClean="0"/>
-              <a:t>第三層</a:t>
+              <a:rPr lang="en-US" altLang="zh-TW" smtClean="0"/>
+              <a:t>Third level</a:t>
             </a:r>
           </a:p>
           <a:p>
             <a:pPr lvl="3"/>
             <a:r>
-              <a:rPr kumimoji="1" lang="zh-TW" altLang="en-US" smtClean="0"/>
-              <a:t>第四層</a:t>
+              <a:rPr lang="en-US" altLang="zh-TW" smtClean="0"/>
+              <a:t>Fourth level</a:t>
             </a:r>
           </a:p>
           <a:p>
             <a:pPr lvl="4"/>
             <a:r>
-              <a:rPr kumimoji="1" lang="zh-TW" altLang="en-US" smtClean="0"/>
-              <a:t>第五層</a:t>
-            </a:r>
-            <a:endParaRPr kumimoji="1" lang="ja-JP" altLang="en-US" dirty="0"/>
-          </a:p>
-        </p:txBody>
-      </p:sp>
-      <p:sp>
-        <p:nvSpPr>
-          <p:cNvPr id="4" name="図形 3"/>
+              <a:rPr lang="en-US" altLang="zh-TW" smtClean="0"/>
+              <a:t>Fifth level</a:t>
+            </a:r>
+            <a:endParaRPr lang="zh-TW" altLang="en-US"/>
+          </a:p>
+        </p:txBody>
+      </p:sp>
+      <p:sp>
+        <p:nvSpPr>
+          <p:cNvPr id="4" name="文字版面配置區 3"/>
           <p:cNvSpPr>
             <a:spLocks noGrp="1"/>
           </p:cNvSpPr>
@@ -2290,8 +2207,8 @@
         </p:nvSpPr>
         <p:spPr>
           <a:xfrm>
-            <a:off x="457200" y="1435100"/>
-            <a:ext cx="3008313" cy="4691063"/>
+            <a:off x="609603" y="1435103"/>
+            <a:ext cx="4011084" cy="4691063"/>
           </a:xfrm>
         </p:spPr>
         <p:txBody>
@@ -2301,35 +2218,35 @@
               <a:buNone/>
               <a:defRPr sz="1400"/>
             </a:lvl1pPr>
-            <a:lvl2pPr marL="457200" indent="0">
+            <a:lvl2pPr marL="457189" indent="0">
               <a:buNone/>
               <a:defRPr sz="1200"/>
             </a:lvl2pPr>
-            <a:lvl3pPr marL="914400" indent="0">
+            <a:lvl3pPr marL="914378" indent="0">
               <a:buNone/>
               <a:defRPr sz="1000"/>
             </a:lvl3pPr>
-            <a:lvl4pPr marL="1371600" indent="0">
+            <a:lvl4pPr marL="1371566" indent="0">
               <a:buNone/>
               <a:defRPr sz="900"/>
             </a:lvl4pPr>
-            <a:lvl5pPr marL="1828800" indent="0">
+            <a:lvl5pPr marL="1828754" indent="0">
               <a:buNone/>
               <a:defRPr sz="900"/>
             </a:lvl5pPr>
-            <a:lvl6pPr marL="2286000" indent="0">
+            <a:lvl6pPr marL="2285943" indent="0">
               <a:buNone/>
               <a:defRPr sz="900"/>
             </a:lvl6pPr>
-            <a:lvl7pPr marL="2743200" indent="0">
+            <a:lvl7pPr marL="2743132" indent="0">
               <a:buNone/>
               <a:defRPr sz="900"/>
             </a:lvl7pPr>
-            <a:lvl8pPr marL="3200400" indent="0">
+            <a:lvl8pPr marL="3200320" indent="0">
               <a:buNone/>
               <a:defRPr sz="900"/>
             </a:lvl8pPr>
-            <a:lvl9pPr marL="3657600" indent="0">
+            <a:lvl9pPr marL="3657509" indent="0">
               <a:buNone/>
               <a:defRPr sz="900"/>
             </a:lvl9pPr>
@@ -2337,44 +2254,15 @@
           <a:p>
             <a:pPr lvl="0"/>
             <a:r>
-              <a:rPr kumimoji="1" lang="zh-TW" altLang="en-US" smtClean="0"/>
-              <a:t>按一下以編輯母片文字樣式</a:t>
-            </a:r>
-          </a:p>
-          <a:p>
-            <a:pPr lvl="1"/>
-            <a:r>
-              <a:rPr kumimoji="1" lang="zh-TW" altLang="en-US" smtClean="0"/>
-              <a:t>第二層</a:t>
-            </a:r>
-          </a:p>
-          <a:p>
-            <a:pPr lvl="2"/>
-            <a:r>
-              <a:rPr kumimoji="1" lang="zh-TW" altLang="en-US" smtClean="0"/>
-              <a:t>第三層</a:t>
-            </a:r>
-          </a:p>
-          <a:p>
-            <a:pPr lvl="3"/>
-            <a:r>
-              <a:rPr kumimoji="1" lang="zh-TW" altLang="en-US" smtClean="0"/>
-              <a:t>第四層</a:t>
-            </a:r>
-          </a:p>
-          <a:p>
-            <a:pPr lvl="4"/>
-            <a:r>
-              <a:rPr kumimoji="1" lang="zh-TW" altLang="en-US" smtClean="0"/>
-              <a:t>第五層</a:t>
-            </a:r>
-            <a:endParaRPr lang="ja-JP"/>
-          </a:p>
-        </p:txBody>
-      </p:sp>
-      <p:sp>
-        <p:nvSpPr>
-          <p:cNvPr id="5" name="図形 4"/>
+              <a:rPr lang="en-US" altLang="zh-TW" smtClean="0"/>
+              <a:t>Edit Master text styles</a:t>
+            </a:r>
+          </a:p>
+        </p:txBody>
+      </p:sp>
+      <p:sp>
+        <p:nvSpPr>
+          <p:cNvPr id="5" name="日期版面配置區 4"/>
           <p:cNvSpPr>
             <a:spLocks noGrp="1"/>
           </p:cNvSpPr>
@@ -2389,7 +2277,7 @@
           <a:p>
             <a:fld id="{DB37BC26-CD71-4144-9EA3-A3A0297D4D7C}" type="datetimeFigureOut">
               <a:rPr lang="zh-TW" altLang="en-US" smtClean="0"/>
-              <a:t>2014/3/16</a:t>
+              <a:t>2021/6/3</a:t>
             </a:fld>
             <a:endParaRPr lang="zh-TW" altLang="en-US"/>
           </a:p>
@@ -2397,7 +2285,7 @@
       </p:sp>
       <p:sp>
         <p:nvSpPr>
-          <p:cNvPr id="6" name="図形 5"/>
+          <p:cNvPr id="6" name="頁尾版面配置區 5"/>
           <p:cNvSpPr>
             <a:spLocks noGrp="1"/>
           </p:cNvSpPr>
@@ -2416,7 +2304,7 @@
       </p:sp>
       <p:sp>
         <p:nvSpPr>
-          <p:cNvPr id="7" name="図形 6"/>
+          <p:cNvPr id="7" name="投影片編號版面配置區 6"/>
           <p:cNvSpPr>
             <a:spLocks noGrp="1"/>
           </p:cNvSpPr>
@@ -2438,6 +2326,11 @@
         </p:txBody>
       </p:sp>
     </p:spTree>
+    <p:extLst>
+      <p:ext uri="{BB962C8B-B14F-4D97-AF65-F5344CB8AC3E}">
+        <p14:creationId xmlns:p14="http://schemas.microsoft.com/office/powerpoint/2010/main" val="3436267379"/>
+      </p:ext>
+    </p:extLst>
   </p:cSld>
   <p:clrMapOvr>
     <a:masterClrMapping/>
@@ -2446,7 +2339,7 @@
 </file>
 
 <file path=ppt/slideLayouts/slideLayout9.xml><?xml version="1.0" encoding="utf-8"?>
-<p:sldLayout xmlns:a="http://schemas.openxmlformats.org/drawingml/2006/main" xmlns:r="http://schemas.openxmlformats.org/officeDocument/2006/relationships" xmlns:p="http://schemas.openxmlformats.org/presentationml/2006/main" showMasterSp="0" type="picTx" preserve="1">
+<p:sldLayout xmlns:a="http://schemas.openxmlformats.org/drawingml/2006/main" xmlns:r="http://schemas.openxmlformats.org/officeDocument/2006/relationships" xmlns:p="http://schemas.openxmlformats.org/presentationml/2006/main" type="picTx" preserve="1">
   <p:cSld name="含標題的圖片">
     <p:spTree>
       <p:nvGrpSpPr>
@@ -2464,7 +2357,7 @@
       </p:grpSpPr>
       <p:sp>
         <p:nvSpPr>
-          <p:cNvPr id="2" name="図形 1"/>
+          <p:cNvPr id="2" name="標題 1"/>
           <p:cNvSpPr>
             <a:spLocks noGrp="1"/>
           </p:cNvSpPr>
@@ -2474,29 +2367,29 @@
         </p:nvSpPr>
         <p:spPr>
           <a:xfrm>
-            <a:off x="1792288" y="5014914"/>
-            <a:ext cx="5486400" cy="414350"/>
+            <a:off x="2389717" y="4800602"/>
+            <a:ext cx="7315200" cy="566739"/>
           </a:xfrm>
         </p:spPr>
         <p:txBody>
           <a:bodyPr anchor="b"/>
           <a:lstStyle>
-            <a:lvl1pPr algn="ctr">
+            <a:lvl1pPr algn="l">
               <a:defRPr sz="2000" b="1"/>
             </a:lvl1pPr>
           </a:lstStyle>
           <a:p>
             <a:r>
-              <a:rPr kumimoji="1" lang="zh-TW" altLang="en-US" smtClean="0"/>
-              <a:t>按一下以編輯母片標題樣式</a:t>
-            </a:r>
-            <a:endParaRPr kumimoji="1" lang="ja-JP" altLang="en-US" dirty="0"/>
-          </a:p>
-        </p:txBody>
-      </p:sp>
-      <p:sp>
-        <p:nvSpPr>
-          <p:cNvPr id="3" name="正方形/長方形 2"/>
+              <a:rPr lang="en-US" altLang="zh-TW" smtClean="0"/>
+              <a:t>Click to edit Master title style</a:t>
+            </a:r>
+            <a:endParaRPr lang="zh-TW" altLang="en-US"/>
+          </a:p>
+        </p:txBody>
+      </p:sp>
+      <p:sp>
+        <p:nvSpPr>
+          <p:cNvPr id="3" name="圖片版面配置區 2"/>
           <p:cNvSpPr>
             <a:spLocks noGrp="1"/>
           </p:cNvSpPr>
@@ -2506,26 +2399,9 @@
         </p:nvSpPr>
         <p:spPr>
           <a:xfrm>
-            <a:off x="1792288" y="742960"/>
-            <a:ext cx="5486400" cy="4114800"/>
+            <a:off x="2389717" y="612775"/>
+            <a:ext cx="7315200" cy="4114800"/>
           </a:xfrm>
-          <a:prstGeom prst="rect">
-            <a:avLst/>
-          </a:prstGeom>
-          <a:noFill/>
-          <a:ln w="50800" cap="sq">
-            <a:solidFill>
-              <a:schemeClr val="tx1"/>
-            </a:solidFill>
-            <a:miter lim="800000"/>
-          </a:ln>
-          <a:effectLst>
-            <a:outerShdw blurRad="76200" dist="50800" dir="13500000" algn="tl" rotWithShape="0">
-              <a:schemeClr val="bg1">
-                <a:alpha val="80000"/>
-              </a:schemeClr>
-            </a:outerShdw>
-          </a:effectLst>
         </p:spPr>
         <p:txBody>
           <a:bodyPr/>
@@ -2534,51 +2410,51 @@
               <a:buNone/>
               <a:defRPr sz="3200"/>
             </a:lvl1pPr>
-            <a:lvl2pPr marL="457200" indent="0">
+            <a:lvl2pPr marL="457189" indent="0">
               <a:buNone/>
               <a:defRPr sz="2800"/>
             </a:lvl2pPr>
-            <a:lvl3pPr marL="914400" indent="0">
+            <a:lvl3pPr marL="914378" indent="0">
               <a:buNone/>
               <a:defRPr sz="2400"/>
             </a:lvl3pPr>
-            <a:lvl4pPr marL="1371600" indent="0">
+            <a:lvl4pPr marL="1371566" indent="0">
               <a:buNone/>
               <a:defRPr sz="2000"/>
             </a:lvl4pPr>
-            <a:lvl5pPr marL="1828800" indent="0">
+            <a:lvl5pPr marL="1828754" indent="0">
               <a:buNone/>
               <a:defRPr sz="2000"/>
             </a:lvl5pPr>
-            <a:lvl6pPr marL="2286000" indent="0">
+            <a:lvl6pPr marL="2285943" indent="0">
               <a:buNone/>
               <a:defRPr sz="2000"/>
             </a:lvl6pPr>
-            <a:lvl7pPr marL="2743200" indent="0">
+            <a:lvl7pPr marL="2743132" indent="0">
               <a:buNone/>
               <a:defRPr sz="2000"/>
             </a:lvl7pPr>
-            <a:lvl8pPr marL="3200400" indent="0">
+            <a:lvl8pPr marL="3200320" indent="0">
               <a:buNone/>
               <a:defRPr sz="2000"/>
             </a:lvl8pPr>
-            <a:lvl9pPr marL="3657600" indent="0">
+            <a:lvl9pPr marL="3657509" indent="0">
               <a:buNone/>
               <a:defRPr sz="2000"/>
             </a:lvl9pPr>
           </a:lstStyle>
           <a:p>
             <a:r>
-              <a:rPr kumimoji="1" lang="zh-TW" altLang="en-US" smtClean="0"/>
-              <a:t>按一下圖示以新增圖片</a:t>
-            </a:r>
-            <a:endParaRPr kumimoji="1" lang="ja-JP" altLang="en-US" dirty="0"/>
-          </a:p>
-        </p:txBody>
-      </p:sp>
-      <p:sp>
-        <p:nvSpPr>
-          <p:cNvPr id="4" name="図形 3"/>
+              <a:rPr lang="en-US" altLang="zh-TW" smtClean="0"/>
+              <a:t>Click icon to add picture</a:t>
+            </a:r>
+            <a:endParaRPr lang="zh-TW" altLang="en-US"/>
+          </a:p>
+        </p:txBody>
+      </p:sp>
+      <p:sp>
+        <p:nvSpPr>
+          <p:cNvPr id="4" name="文字版面配置區 3"/>
           <p:cNvSpPr>
             <a:spLocks noGrp="1"/>
           </p:cNvSpPr>
@@ -2588,46 +2464,46 @@
         </p:nvSpPr>
         <p:spPr>
           <a:xfrm>
-            <a:off x="1792288" y="5481658"/>
-            <a:ext cx="5486400" cy="804862"/>
+            <a:off x="2389717" y="5367340"/>
+            <a:ext cx="7315200" cy="804863"/>
           </a:xfrm>
         </p:spPr>
         <p:txBody>
           <a:bodyPr/>
           <a:lstStyle>
-            <a:lvl1pPr marL="0" indent="0" algn="ctr">
+            <a:lvl1pPr marL="0" indent="0">
               <a:buNone/>
               <a:defRPr sz="1400"/>
             </a:lvl1pPr>
-            <a:lvl2pPr marL="457200" indent="0" algn="ctr">
+            <a:lvl2pPr marL="457189" indent="0">
               <a:buNone/>
               <a:defRPr sz="1200"/>
             </a:lvl2pPr>
-            <a:lvl3pPr marL="914400" indent="0" algn="ctr">
+            <a:lvl3pPr marL="914378" indent="0">
               <a:buNone/>
               <a:defRPr sz="1000"/>
             </a:lvl3pPr>
-            <a:lvl4pPr marL="1371600" indent="0" algn="ctr">
+            <a:lvl4pPr marL="1371566" indent="0">
               <a:buNone/>
               <a:defRPr sz="900"/>
             </a:lvl4pPr>
-            <a:lvl5pPr marL="1828800" indent="0" algn="ctr">
+            <a:lvl5pPr marL="1828754" indent="0">
               <a:buNone/>
               <a:defRPr sz="900"/>
             </a:lvl5pPr>
-            <a:lvl6pPr marL="2286000" indent="0">
+            <a:lvl6pPr marL="2285943" indent="0">
               <a:buNone/>
               <a:defRPr sz="900"/>
             </a:lvl6pPr>
-            <a:lvl7pPr marL="2743200" indent="0">
+            <a:lvl7pPr marL="2743132" indent="0">
               <a:buNone/>
               <a:defRPr sz="900"/>
             </a:lvl7pPr>
-            <a:lvl8pPr marL="3200400" indent="0">
+            <a:lvl8pPr marL="3200320" indent="0">
               <a:buNone/>
               <a:defRPr sz="900"/>
             </a:lvl8pPr>
-            <a:lvl9pPr marL="3657600" indent="0">
+            <a:lvl9pPr marL="3657509" indent="0">
               <a:buNone/>
               <a:defRPr sz="900"/>
             </a:lvl9pPr>
@@ -2635,44 +2511,15 @@
           <a:p>
             <a:pPr lvl="0"/>
             <a:r>
-              <a:rPr kumimoji="1" lang="zh-TW" altLang="en-US" smtClean="0"/>
-              <a:t>按一下以編輯母片文字樣式</a:t>
-            </a:r>
-          </a:p>
-          <a:p>
-            <a:pPr lvl="1"/>
-            <a:r>
-              <a:rPr kumimoji="1" lang="zh-TW" altLang="en-US" smtClean="0"/>
-              <a:t>第二層</a:t>
-            </a:r>
-          </a:p>
-          <a:p>
-            <a:pPr lvl="2"/>
-            <a:r>
-              <a:rPr kumimoji="1" lang="zh-TW" altLang="en-US" smtClean="0"/>
-              <a:t>第三層</a:t>
-            </a:r>
-          </a:p>
-          <a:p>
-            <a:pPr lvl="3"/>
-            <a:r>
-              <a:rPr kumimoji="1" lang="zh-TW" altLang="en-US" smtClean="0"/>
-              <a:t>第四層</a:t>
-            </a:r>
-          </a:p>
-          <a:p>
-            <a:pPr lvl="4"/>
-            <a:r>
-              <a:rPr kumimoji="1" lang="zh-TW" altLang="en-US" smtClean="0"/>
-              <a:t>第五層</a:t>
-            </a:r>
-            <a:endParaRPr lang="ja-JP" dirty="0"/>
-          </a:p>
-        </p:txBody>
-      </p:sp>
-      <p:sp>
-        <p:nvSpPr>
-          <p:cNvPr id="5" name="図形 4"/>
+              <a:rPr lang="en-US" altLang="zh-TW" smtClean="0"/>
+              <a:t>Edit Master text styles</a:t>
+            </a:r>
+          </a:p>
+        </p:txBody>
+      </p:sp>
+      <p:sp>
+        <p:nvSpPr>
+          <p:cNvPr id="5" name="日期版面配置區 4"/>
           <p:cNvSpPr>
             <a:spLocks noGrp="1"/>
           </p:cNvSpPr>
@@ -2687,7 +2534,7 @@
           <a:p>
             <a:fld id="{DB37BC26-CD71-4144-9EA3-A3A0297D4D7C}" type="datetimeFigureOut">
               <a:rPr lang="zh-TW" altLang="en-US" smtClean="0"/>
-              <a:t>2014/3/16</a:t>
+              <a:t>2021/6/3</a:t>
             </a:fld>
             <a:endParaRPr lang="zh-TW" altLang="en-US"/>
           </a:p>
@@ -2695,7 +2542,7 @@
       </p:sp>
       <p:sp>
         <p:nvSpPr>
-          <p:cNvPr id="6" name="図形 5"/>
+          <p:cNvPr id="6" name="頁尾版面配置區 5"/>
           <p:cNvSpPr>
             <a:spLocks noGrp="1"/>
           </p:cNvSpPr>
@@ -2714,7 +2561,7 @@
       </p:sp>
       <p:sp>
         <p:nvSpPr>
-          <p:cNvPr id="7" name="図形 6"/>
+          <p:cNvPr id="7" name="投影片編號版面配置區 6"/>
           <p:cNvSpPr>
             <a:spLocks noGrp="1"/>
           </p:cNvSpPr>
@@ -2736,6 +2583,11 @@
         </p:txBody>
       </p:sp>
     </p:spTree>
+    <p:extLst>
+      <p:ext uri="{BB962C8B-B14F-4D97-AF65-F5344CB8AC3E}">
+        <p14:creationId xmlns:p14="http://schemas.microsoft.com/office/powerpoint/2010/main" val="1244602142"/>
+      </p:ext>
+    </p:extLst>
   </p:cSld>
   <p:clrMapOvr>
     <a:masterClrMapping/>
@@ -2747,9 +2599,14 @@
 <p:sldMaster xmlns:a="http://schemas.openxmlformats.org/drawingml/2006/main" xmlns:r="http://schemas.openxmlformats.org/officeDocument/2006/relationships" xmlns:p="http://schemas.openxmlformats.org/presentationml/2006/main">
   <p:cSld>
     <p:bg>
-      <p:bgRef idx="1003">
-        <a:schemeClr val="bg2"/>
-      </p:bgRef>
+      <p:bgPr>
+        <a:blipFill dpi="0" rotWithShape="1">
+          <a:blip r:embed="rId13"/>
+          <a:srcRect/>
+          <a:tile tx="0" ty="0" sx="100000" sy="100000" flip="none" algn="tl"/>
+        </a:blipFill>
+        <a:effectLst/>
+      </p:bgPr>
     </p:bg>
     <p:spTree>
       <p:nvGrpSpPr>
@@ -2767,128 +2624,122 @@
       </p:grpSpPr>
       <p:sp>
         <p:nvSpPr>
-          <p:cNvPr id="18" name="正方形/長方形 17"/>
-          <p:cNvSpPr>
-            <a:spLocks noGrp="1"/>
-          </p:cNvSpPr>
-          <p:nvPr>
-            <p:ph type="body" idx="1"/>
+          <p:cNvPr id="2" name="標題版面配置區 1"/>
+          <p:cNvSpPr>
+            <a:spLocks noGrp="1"/>
+          </p:cNvSpPr>
+          <p:nvPr>
+            <p:ph type="title"/>
           </p:nvPr>
         </p:nvSpPr>
         <p:spPr>
           <a:xfrm>
-            <a:off x="457200" y="1600200"/>
-            <a:ext cx="8229600" cy="4525963"/>
+            <a:off x="609600" y="274639"/>
+            <a:ext cx="10972800" cy="1143000"/>
           </a:xfrm>
           <a:prstGeom prst="rect">
             <a:avLst/>
           </a:prstGeom>
         </p:spPr>
         <p:txBody>
-          <a:bodyPr vert="horz" rtlCol="0">
+          <a:bodyPr vert="horz" lIns="91440" tIns="45720" rIns="91440" bIns="45720" rtlCol="0" anchor="ctr">
             <a:normAutofit/>
           </a:bodyPr>
           <a:lstStyle/>
           <a:p>
-            <a:pPr lvl="0"/>
-            <a:r>
-              <a:rPr kumimoji="1" lang="zh-TW" altLang="en-US" smtClean="0"/>
-              <a:t>按一下以編輯母片文字樣式</a:t>
-            </a:r>
-          </a:p>
-          <a:p>
-            <a:pPr lvl="1"/>
-            <a:r>
-              <a:rPr kumimoji="1" lang="zh-TW" altLang="en-US" smtClean="0"/>
-              <a:t>第二層</a:t>
-            </a:r>
-          </a:p>
-          <a:p>
-            <a:pPr lvl="2"/>
-            <a:r>
-              <a:rPr kumimoji="1" lang="zh-TW" altLang="en-US" smtClean="0"/>
-              <a:t>第三層</a:t>
-            </a:r>
-          </a:p>
-          <a:p>
-            <a:pPr lvl="3"/>
-            <a:r>
-              <a:rPr kumimoji="1" lang="zh-TW" altLang="en-US" smtClean="0"/>
-              <a:t>第四層</a:t>
-            </a:r>
-          </a:p>
-          <a:p>
-            <a:pPr lvl="4"/>
-            <a:r>
-              <a:rPr kumimoji="1" lang="zh-TW" altLang="en-US" smtClean="0"/>
-              <a:t>第五層</a:t>
-            </a:r>
-            <a:endParaRPr kumimoji="1" lang="ja-JP" altLang="en-US" dirty="0"/>
-          </a:p>
-        </p:txBody>
-      </p:sp>
-      <p:sp>
-        <p:nvSpPr>
-          <p:cNvPr id="29" name="正方形/長方形 28"/>
-          <p:cNvSpPr>
-            <a:spLocks noGrp="1"/>
-          </p:cNvSpPr>
-          <p:nvPr>
-            <p:ph type="dt" sz="half" idx="2"/>
+            <a:r>
+              <a:rPr lang="zh-TW" altLang="en-US" smtClean="0"/>
+              <a:t>按一下以編輯母片標題樣式</a:t>
+            </a:r>
+            <a:endParaRPr lang="zh-TW" altLang="en-US"/>
+          </a:p>
+        </p:txBody>
+      </p:sp>
+      <p:sp>
+        <p:nvSpPr>
+          <p:cNvPr id="3" name="文字版面配置區 2"/>
+          <p:cNvSpPr>
+            <a:spLocks noGrp="1"/>
+          </p:cNvSpPr>
+          <p:nvPr>
+            <p:ph type="body" idx="1"/>
           </p:nvPr>
         </p:nvSpPr>
         <p:spPr>
           <a:xfrm>
-            <a:off x="457200" y="6356350"/>
-            <a:ext cx="2133600" cy="365125"/>
+            <a:off x="609600" y="1600203"/>
+            <a:ext cx="10972800" cy="4525963"/>
           </a:xfrm>
           <a:prstGeom prst="rect">
             <a:avLst/>
           </a:prstGeom>
         </p:spPr>
         <p:txBody>
-          <a:bodyPr vert="horz" rtlCol="0" anchor="ctr"/>
-          <a:lstStyle>
-            <a:lvl1pPr algn="l">
-              <a:defRPr sz="1200">
-                <a:solidFill>
-                  <a:schemeClr val="bg1"/>
-                </a:solidFill>
-              </a:defRPr>
-            </a:lvl1pPr>
-          </a:lstStyle>
-          <a:p>
-            <a:fld id="{DB37BC26-CD71-4144-9EA3-A3A0297D4D7C}" type="datetimeFigureOut">
+          <a:bodyPr vert="horz" lIns="91440" tIns="45720" rIns="91440" bIns="45720" rtlCol="0">
+            <a:normAutofit/>
+          </a:bodyPr>
+          <a:lstStyle/>
+          <a:p>
+            <a:pPr lvl="0"/>
+            <a:r>
               <a:rPr lang="zh-TW" altLang="en-US" smtClean="0"/>
-              <a:t>2014/3/16</a:t>
-            </a:fld>
-            <a:endParaRPr lang="zh-TW" altLang="en-US"/>
-          </a:p>
-        </p:txBody>
-      </p:sp>
-      <p:sp>
-        <p:nvSpPr>
-          <p:cNvPr id="4" name="正方形/長方形 3"/>
-          <p:cNvSpPr>
-            <a:spLocks noGrp="1"/>
-          </p:cNvSpPr>
-          <p:nvPr>
-            <p:ph type="ftr" sz="quarter" idx="3"/>
+              <a:t>按一下以編輯母片文字樣式</a:t>
+            </a:r>
+          </a:p>
+          <a:p>
+            <a:pPr lvl="1"/>
+            <a:r>
+              <a:rPr lang="zh-TW" altLang="en-US" smtClean="0"/>
+              <a:t>第二層</a:t>
+            </a:r>
+          </a:p>
+          <a:p>
+            <a:pPr lvl="2"/>
+            <a:r>
+              <a:rPr lang="zh-TW" altLang="en-US" smtClean="0"/>
+              <a:t>第三層</a:t>
+            </a:r>
+          </a:p>
+          <a:p>
+            <a:pPr lvl="3"/>
+            <a:r>
+              <a:rPr lang="zh-TW" altLang="en-US" smtClean="0"/>
+              <a:t>第四層</a:t>
+            </a:r>
+          </a:p>
+          <a:p>
+            <a:pPr lvl="4"/>
+            <a:r>
+              <a:rPr lang="zh-TW" altLang="en-US" smtClean="0"/>
+              <a:t>第五層</a:t>
+            </a:r>
+            <a:endParaRPr lang="zh-TW" altLang="en-US"/>
+          </a:p>
+        </p:txBody>
+      </p:sp>
+      <p:sp>
+        <p:nvSpPr>
+          <p:cNvPr id="4" name="日期版面配置區 3"/>
+          <p:cNvSpPr>
+            <a:spLocks noGrp="1"/>
+          </p:cNvSpPr>
+          <p:nvPr>
+            <p:ph type="dt" sz="half" idx="2"/>
           </p:nvPr>
         </p:nvSpPr>
         <p:spPr>
           <a:xfrm>
-            <a:off x="3124200" y="6356350"/>
-            <a:ext cx="2895600" cy="365125"/>
+            <a:off x="609600" y="6356353"/>
+            <a:ext cx="2844800" cy="365125"/>
           </a:xfrm>
           <a:prstGeom prst="rect">
             <a:avLst/>
           </a:prstGeom>
         </p:spPr>
         <p:txBody>
-          <a:bodyPr vert="horz" rtlCol="0" anchor="ctr"/>
+          <a:bodyPr vert="horz" lIns="91440" tIns="45720" rIns="91440" bIns="45720" rtlCol="0" anchor="ctr"/>
           <a:lstStyle>
-            <a:lvl1pPr algn="ctr">
+            <a:lvl1pPr algn="l">
               <a:defRPr sz="1200">
                 <a:solidFill>
                   <a:schemeClr val="tx1">
@@ -2899,36 +2750,79 @@
             </a:lvl1pPr>
           </a:lstStyle>
           <a:p>
-            <a:endParaRPr lang="zh-TW" altLang="en-US"/>
-          </a:p>
-        </p:txBody>
-      </p:sp>
-      <p:sp>
-        <p:nvSpPr>
-          <p:cNvPr id="10" name="正方形/長方形 9"/>
-          <p:cNvSpPr>
-            <a:spLocks noGrp="1"/>
-          </p:cNvSpPr>
-          <p:nvPr>
-            <p:ph type="sldNum" sz="quarter" idx="4"/>
+            <a:fld id="{DB37BC26-CD71-4144-9EA3-A3A0297D4D7C}" type="datetimeFigureOut">
+              <a:rPr lang="zh-TW" altLang="en-US" smtClean="0"/>
+              <a:t>2021/6/3</a:t>
+            </a:fld>
+            <a:endParaRPr lang="zh-TW" altLang="en-US"/>
+          </a:p>
+        </p:txBody>
+      </p:sp>
+      <p:sp>
+        <p:nvSpPr>
+          <p:cNvPr id="5" name="頁尾版面配置區 4"/>
+          <p:cNvSpPr>
+            <a:spLocks noGrp="1"/>
+          </p:cNvSpPr>
+          <p:nvPr>
+            <p:ph type="ftr" sz="quarter" idx="3"/>
           </p:nvPr>
         </p:nvSpPr>
         <p:spPr>
           <a:xfrm>
-            <a:off x="6553200" y="6356350"/>
-            <a:ext cx="2133600" cy="365125"/>
+            <a:off x="4165600" y="6356353"/>
+            <a:ext cx="3860800" cy="365125"/>
           </a:xfrm>
           <a:prstGeom prst="rect">
             <a:avLst/>
           </a:prstGeom>
         </p:spPr>
         <p:txBody>
-          <a:bodyPr vert="horz" rtlCol="0" anchor="ctr"/>
+          <a:bodyPr vert="horz" lIns="91440" tIns="45720" rIns="91440" bIns="45720" rtlCol="0" anchor="ctr"/>
+          <a:lstStyle>
+            <a:lvl1pPr algn="ctr">
+              <a:defRPr sz="1200">
+                <a:solidFill>
+                  <a:schemeClr val="tx1">
+                    <a:tint val="75000"/>
+                  </a:schemeClr>
+                </a:solidFill>
+              </a:defRPr>
+            </a:lvl1pPr>
+          </a:lstStyle>
+          <a:p>
+            <a:endParaRPr lang="zh-TW" altLang="en-US"/>
+          </a:p>
+        </p:txBody>
+      </p:sp>
+      <p:sp>
+        <p:nvSpPr>
+          <p:cNvPr id="6" name="投影片編號版面配置區 5"/>
+          <p:cNvSpPr>
+            <a:spLocks noGrp="1"/>
+          </p:cNvSpPr>
+          <p:nvPr>
+            <p:ph type="sldNum" sz="quarter" idx="4"/>
+          </p:nvPr>
+        </p:nvSpPr>
+        <p:spPr>
+          <a:xfrm>
+            <a:off x="8737600" y="6356353"/>
+            <a:ext cx="2844800" cy="365125"/>
+          </a:xfrm>
+          <a:prstGeom prst="rect">
+            <a:avLst/>
+          </a:prstGeom>
+        </p:spPr>
+        <p:txBody>
+          <a:bodyPr vert="horz" lIns="91440" tIns="45720" rIns="91440" bIns="45720" rtlCol="0" anchor="ctr"/>
           <a:lstStyle>
             <a:lvl1pPr algn="r">
               <a:defRPr sz="1200">
                 <a:solidFill>
-                  <a:schemeClr val="bg1"/>
+                  <a:schemeClr val="tx1">
+                    <a:tint val="75000"/>
+                  </a:schemeClr>
                 </a:solidFill>
               </a:defRPr>
             </a:lvl1pPr>
@@ -2942,101 +2836,38 @@
           </a:p>
         </p:txBody>
       </p:sp>
-      <p:sp>
-        <p:nvSpPr>
-          <p:cNvPr id="22" name="正方形/長方形 21"/>
-          <p:cNvSpPr>
-            <a:spLocks noGrp="1"/>
-          </p:cNvSpPr>
-          <p:nvPr>
-            <p:ph type="title"/>
-          </p:nvPr>
-        </p:nvSpPr>
-        <p:spPr>
-          <a:xfrm>
-            <a:off x="457200" y="274638"/>
-            <a:ext cx="8229600" cy="1143000"/>
-          </a:xfrm>
-          <a:prstGeom prst="rect">
-            <a:avLst/>
-          </a:prstGeom>
-          <a:noFill/>
-        </p:spPr>
-        <p:txBody>
-          <a:bodyPr vert="horz" rtlCol="0" anchor="ctr">
-            <a:normAutofit/>
-          </a:bodyPr>
-          <a:lstStyle/>
-          <a:p>
-            <a:r>
-              <a:rPr kumimoji="1" lang="zh-TW" altLang="en-US" smtClean="0"/>
-              <a:t>按一下以編輯母片標題樣式</a:t>
-            </a:r>
-            <a:endParaRPr kumimoji="1" lang="ja-JP" altLang="en-US" dirty="0"/>
-          </a:p>
-        </p:txBody>
-      </p:sp>
     </p:spTree>
+    <p:extLst>
+      <p:ext uri="{BB962C8B-B14F-4D97-AF65-F5344CB8AC3E}">
+        <p14:creationId xmlns:p14="http://schemas.microsoft.com/office/powerpoint/2010/main" val="2810627073"/>
+      </p:ext>
+    </p:extLst>
   </p:cSld>
   <p:clrMap bg1="lt1" tx1="dk1" bg2="lt2" tx2="dk2" accent1="accent1" accent2="accent2" accent3="accent3" accent4="accent4" accent5="accent5" accent6="accent6" hlink="hlink" folHlink="folHlink"/>
   <p:sldLayoutIdLst>
-    <p:sldLayoutId id="2147483673" r:id="rId1"/>
-    <p:sldLayoutId id="2147483674" r:id="rId2"/>
-    <p:sldLayoutId id="2147483675" r:id="rId3"/>
-    <p:sldLayoutId id="2147483676" r:id="rId4"/>
-    <p:sldLayoutId id="2147483677" r:id="rId5"/>
-    <p:sldLayoutId id="2147483678" r:id="rId6"/>
-    <p:sldLayoutId id="2147483679" r:id="rId7"/>
-    <p:sldLayoutId id="2147483680" r:id="rId8"/>
-    <p:sldLayoutId id="2147483681" r:id="rId9"/>
-    <p:sldLayoutId id="2147483682" r:id="rId10"/>
-    <p:sldLayoutId id="2147483683" r:id="rId11"/>
+    <p:sldLayoutId id="2147483685" r:id="rId1"/>
+    <p:sldLayoutId id="2147483686" r:id="rId2"/>
+    <p:sldLayoutId id="2147483687" r:id="rId3"/>
+    <p:sldLayoutId id="2147483688" r:id="rId4"/>
+    <p:sldLayoutId id="2147483689" r:id="rId5"/>
+    <p:sldLayoutId id="2147483690" r:id="rId6"/>
+    <p:sldLayoutId id="2147483691" r:id="rId7"/>
+    <p:sldLayoutId id="2147483692" r:id="rId8"/>
+    <p:sldLayoutId id="2147483693" r:id="rId9"/>
+    <p:sldLayoutId id="2147483694" r:id="rId10"/>
+    <p:sldLayoutId id="2147483695" r:id="rId11"/>
   </p:sldLayoutIdLst>
   <p:txStyles>
     <p:titleStyle>
-      <a:lvl1pPr algn="ctr" rtl="0" eaLnBrk="1" latinLnBrk="0" hangingPunct="1">
+      <a:lvl1pPr algn="ctr" defTabSz="914378" rtl="0" eaLnBrk="1" latinLnBrk="0" hangingPunct="1">
         <a:spcBef>
           <a:spcPct val="0"/>
         </a:spcBef>
         <a:buNone/>
-        <a:defRPr kumimoji="1" sz="4400" baseline="0">
-          <a:ln w="12700">
-            <a:solidFill>
-              <a:schemeClr val="tx1">
-                <a:tint val="95000"/>
-              </a:schemeClr>
-            </a:solidFill>
-          </a:ln>
-          <a:gradFill>
-            <a:gsLst>
-              <a:gs pos="0">
-                <a:schemeClr val="tx1">
-                  <a:tint val="65000"/>
-                </a:schemeClr>
-              </a:gs>
-              <a:gs pos="49900">
-                <a:schemeClr val="tx1">
-                  <a:tint val="95000"/>
-                </a:schemeClr>
-              </a:gs>
-              <a:gs pos="50000">
-                <a:schemeClr val="tx1"/>
-              </a:gs>
-              <a:gs pos="100000">
-                <a:schemeClr val="tx1">
-                  <a:tint val="95000"/>
-                </a:schemeClr>
-              </a:gs>
-            </a:gsLst>
-            <a:lin ang="5400000" scaled="1"/>
-          </a:gradFill>
-          <a:effectLst>
-            <a:outerShdw blurRad="127000" algn="tl" rotWithShape="0">
-              <a:schemeClr val="bg1">
-                <a:alpha val="50000"/>
-              </a:schemeClr>
-            </a:outerShdw>
-          </a:effectLst>
+        <a:defRPr sz="4400" kern="1200">
+          <a:solidFill>
+            <a:schemeClr val="tx1"/>
+          </a:solidFill>
           <a:latin typeface="+mj-lt"/>
           <a:ea typeface="+mj-ea"/>
           <a:cs typeface="+mj-cs"/>
@@ -3044,184 +2875,135 @@
       </a:lvl1pPr>
     </p:titleStyle>
     <p:bodyStyle>
-      <a:lvl1pPr marL="342900" indent="-342900" algn="l" rtl="0" eaLnBrk="1" latinLnBrk="0" hangingPunct="1">
+      <a:lvl1pPr marL="342892" indent="-342892" algn="l" defTabSz="914378" rtl="0" eaLnBrk="1" latinLnBrk="0" hangingPunct="1">
         <a:spcBef>
           <a:spcPct val="20000"/>
         </a:spcBef>
-        <a:buClr>
-          <a:schemeClr val="tx1"/>
-        </a:buClr>
-        <a:buFont typeface="Wingdings"/>
-        <a:buChar char="n"/>
-        <a:defRPr kumimoji="1" sz="3200" baseline="0">
+        <a:buFont typeface="Arial" pitchFamily="34" charset="0"/>
+        <a:buChar char="•"/>
+        <a:defRPr sz="3200" kern="1200">
           <a:solidFill>
-            <a:schemeClr val="tx2"/>
+            <a:schemeClr val="tx1"/>
           </a:solidFill>
           <a:latin typeface="+mn-lt"/>
           <a:ea typeface="+mn-ea"/>
           <a:cs typeface="+mn-cs"/>
         </a:defRPr>
       </a:lvl1pPr>
-      <a:lvl2pPr marL="742950" indent="-285750" algn="l" rtl="0" eaLnBrk="1" latinLnBrk="0" hangingPunct="1">
+      <a:lvl2pPr marL="742931" indent="-285743" algn="l" defTabSz="914378" rtl="0" eaLnBrk="1" latinLnBrk="0" hangingPunct="1">
         <a:spcBef>
           <a:spcPct val="20000"/>
         </a:spcBef>
-        <a:buClr>
-          <a:schemeClr val="tx2">
-            <a:shade val="75000"/>
-          </a:schemeClr>
-        </a:buClr>
-        <a:buSzPct val="85000"/>
-        <a:buFont typeface="Wingdings"/>
-        <a:buChar char="n"/>
-        <a:defRPr kumimoji="1" sz="2800" baseline="0">
+        <a:buFont typeface="Arial" pitchFamily="34" charset="0"/>
+        <a:buChar char="–"/>
+        <a:defRPr sz="2800" kern="1200">
           <a:solidFill>
-            <a:schemeClr val="tx2"/>
+            <a:schemeClr val="tx1"/>
           </a:solidFill>
           <a:latin typeface="+mn-lt"/>
           <a:ea typeface="+mn-ea"/>
           <a:cs typeface="+mn-cs"/>
         </a:defRPr>
       </a:lvl2pPr>
-      <a:lvl3pPr marL="1143000" indent="-228600" algn="l" rtl="0" eaLnBrk="1" latinLnBrk="0" hangingPunct="1">
+      <a:lvl3pPr marL="1142972" indent="-228594" algn="l" defTabSz="914378" rtl="0" eaLnBrk="1" latinLnBrk="0" hangingPunct="1">
         <a:spcBef>
           <a:spcPct val="20000"/>
         </a:spcBef>
-        <a:buClr>
-          <a:schemeClr val="accent4">
-            <a:shade val="50000"/>
-          </a:schemeClr>
-        </a:buClr>
-        <a:buSzPct val="75000"/>
-        <a:buFont typeface="Wingdings"/>
-        <a:buChar char="n"/>
-        <a:defRPr kumimoji="1" sz="2400" baseline="0">
+        <a:buFont typeface="Arial" pitchFamily="34" charset="0"/>
+        <a:buChar char="•"/>
+        <a:defRPr sz="2400" kern="1200">
           <a:solidFill>
-            <a:schemeClr val="tx2"/>
+            <a:schemeClr val="tx1"/>
           </a:solidFill>
           <a:latin typeface="+mn-lt"/>
           <a:ea typeface="+mn-ea"/>
           <a:cs typeface="+mn-cs"/>
         </a:defRPr>
       </a:lvl3pPr>
-      <a:lvl4pPr marL="1600200" indent="-228600" algn="l" rtl="0" eaLnBrk="1" latinLnBrk="0" hangingPunct="1">
+      <a:lvl4pPr marL="1600160" indent="-228594" algn="l" defTabSz="914378" rtl="0" eaLnBrk="1" latinLnBrk="0" hangingPunct="1">
         <a:spcBef>
           <a:spcPct val="20000"/>
         </a:spcBef>
-        <a:buClr>
-          <a:schemeClr val="accent6">
-            <a:shade val="50000"/>
-          </a:schemeClr>
-        </a:buClr>
-        <a:buSzPct val="75000"/>
-        <a:buFont typeface="Wingdings"/>
-        <a:buChar char="n"/>
-        <a:defRPr kumimoji="1" sz="2000" baseline="0">
+        <a:buFont typeface="Arial" pitchFamily="34" charset="0"/>
+        <a:buChar char="–"/>
+        <a:defRPr sz="2000" kern="1200">
           <a:solidFill>
-            <a:schemeClr val="tx2"/>
+            <a:schemeClr val="tx1"/>
           </a:solidFill>
           <a:latin typeface="+mn-lt"/>
           <a:ea typeface="+mn-ea"/>
           <a:cs typeface="+mn-cs"/>
         </a:defRPr>
       </a:lvl4pPr>
-      <a:lvl5pPr marL="2057400" indent="-228600" algn="l" rtl="0" eaLnBrk="1" latinLnBrk="0" hangingPunct="1">
+      <a:lvl5pPr marL="2057348" indent="-228594" algn="l" defTabSz="914378" rtl="0" eaLnBrk="1" latinLnBrk="0" hangingPunct="1">
         <a:spcBef>
           <a:spcPct val="20000"/>
         </a:spcBef>
-        <a:buClr>
-          <a:schemeClr val="accent3">
-            <a:shade val="50000"/>
-          </a:schemeClr>
-        </a:buClr>
-        <a:buSzPct val="70000"/>
-        <a:buFont typeface="Wingdings"/>
-        <a:buChar char="n"/>
-        <a:defRPr kumimoji="1" sz="2000" baseline="0">
+        <a:buFont typeface="Arial" pitchFamily="34" charset="0"/>
+        <a:buChar char="»"/>
+        <a:defRPr sz="2000" kern="1200">
           <a:solidFill>
-            <a:schemeClr val="tx2"/>
+            <a:schemeClr val="tx1"/>
           </a:solidFill>
           <a:latin typeface="+mn-lt"/>
           <a:ea typeface="+mn-ea"/>
           <a:cs typeface="+mn-cs"/>
         </a:defRPr>
       </a:lvl5pPr>
-      <a:lvl6pPr marL="2514600" indent="-228600" algn="l" rtl="0" eaLnBrk="1" latinLnBrk="0" hangingPunct="1">
+      <a:lvl6pPr marL="2514537" indent="-228594" algn="l" defTabSz="914378" rtl="0" eaLnBrk="1" latinLnBrk="0" hangingPunct="1">
         <a:spcBef>
           <a:spcPct val="20000"/>
         </a:spcBef>
-        <a:buClr>
-          <a:schemeClr val="accent1">
-            <a:shade val="50000"/>
-          </a:schemeClr>
-        </a:buClr>
-        <a:buSzPct val="60000"/>
-        <a:buFont typeface="Wingdings"/>
-        <a:buChar char="n"/>
-        <a:defRPr kumimoji="1" sz="2000">
+        <a:buFont typeface="Arial" pitchFamily="34" charset="0"/>
+        <a:buChar char="•"/>
+        <a:defRPr sz="2000" kern="1200">
           <a:solidFill>
-            <a:schemeClr val="tx2"/>
+            <a:schemeClr val="tx1"/>
           </a:solidFill>
           <a:latin typeface="+mn-lt"/>
           <a:ea typeface="+mn-ea"/>
           <a:cs typeface="+mn-cs"/>
         </a:defRPr>
       </a:lvl6pPr>
-      <a:lvl7pPr marL="2971800" indent="-228600" algn="l" rtl="0" eaLnBrk="1" latinLnBrk="0" hangingPunct="1">
+      <a:lvl7pPr marL="2971726" indent="-228594" algn="l" defTabSz="914378" rtl="0" eaLnBrk="1" latinLnBrk="0" hangingPunct="1">
         <a:spcBef>
           <a:spcPct val="20000"/>
         </a:spcBef>
-        <a:buClr>
-          <a:schemeClr val="accent2">
-            <a:shade val="50000"/>
-          </a:schemeClr>
-        </a:buClr>
-        <a:buSzPct val="60000"/>
-        <a:buFont typeface="Wingdings"/>
-        <a:buChar char="n"/>
-        <a:defRPr kumimoji="1" sz="2000">
+        <a:buFont typeface="Arial" pitchFamily="34" charset="0"/>
+        <a:buChar char="•"/>
+        <a:defRPr sz="2000" kern="1200">
           <a:solidFill>
-            <a:schemeClr val="tx2"/>
+            <a:schemeClr val="tx1"/>
           </a:solidFill>
           <a:latin typeface="+mn-lt"/>
           <a:ea typeface="+mn-ea"/>
           <a:cs typeface="+mn-cs"/>
         </a:defRPr>
       </a:lvl7pPr>
-      <a:lvl8pPr marL="3429000" indent="-228600" algn="l" rtl="0" eaLnBrk="1" latinLnBrk="0" hangingPunct="1">
+      <a:lvl8pPr marL="3428915" indent="-228594" algn="l" defTabSz="914378" rtl="0" eaLnBrk="1" latinLnBrk="0" hangingPunct="1">
         <a:spcBef>
           <a:spcPct val="20000"/>
         </a:spcBef>
-        <a:buClr>
-          <a:schemeClr val="accent5">
-            <a:shade val="50000"/>
-          </a:schemeClr>
-        </a:buClr>
-        <a:buSzPct val="60000"/>
-        <a:buFont typeface="Wingdings"/>
-        <a:buChar char="n"/>
-        <a:defRPr kumimoji="1" sz="2000">
+        <a:buFont typeface="Arial" pitchFamily="34" charset="0"/>
+        <a:buChar char="•"/>
+        <a:defRPr sz="2000" kern="1200">
           <a:solidFill>
-            <a:schemeClr val="tx2"/>
+            <a:schemeClr val="tx1"/>
           </a:solidFill>
           <a:latin typeface="+mn-lt"/>
           <a:ea typeface="+mn-ea"/>
           <a:cs typeface="+mn-cs"/>
         </a:defRPr>
       </a:lvl8pPr>
-      <a:lvl9pPr marL="3886200" indent="-228600" algn="l" rtl="0" eaLnBrk="1" latinLnBrk="0" hangingPunct="1">
+      <a:lvl9pPr marL="3886103" indent="-228594" algn="l" defTabSz="914378" rtl="0" eaLnBrk="1" latinLnBrk="0" hangingPunct="1">
         <a:spcBef>
           <a:spcPct val="20000"/>
         </a:spcBef>
-        <a:buClr>
-          <a:schemeClr val="tx1"/>
-        </a:buClr>
-        <a:buSzPct val="50000"/>
-        <a:buFont typeface="Wingdings"/>
-        <a:buChar char="n"/>
-        <a:defRPr kumimoji="1" sz="2000">
+        <a:buFont typeface="Arial" pitchFamily="34" charset="0"/>
+        <a:buChar char="•"/>
+        <a:defRPr sz="2000" kern="1200">
           <a:solidFill>
-            <a:schemeClr val="tx2"/>
+            <a:schemeClr val="tx1"/>
           </a:solidFill>
           <a:latin typeface="+mn-lt"/>
           <a:ea typeface="+mn-ea"/>
@@ -3230,8 +3012,11 @@
       </a:lvl9pPr>
     </p:bodyStyle>
     <p:otherStyle>
-      <a:lvl1pPr marL="0" algn="l" rtl="0" eaLnBrk="1" hangingPunct="1">
-        <a:defRPr kumimoji="1">
+      <a:defPPr>
+        <a:defRPr lang="zh-TW"/>
+      </a:defPPr>
+      <a:lvl1pPr marL="0" algn="l" defTabSz="914378" rtl="0" eaLnBrk="1" latinLnBrk="0" hangingPunct="1">
+        <a:defRPr sz="1800" kern="1200">
           <a:solidFill>
             <a:schemeClr val="tx1"/>
           </a:solidFill>
@@ -3240,8 +3025,8 @@
           <a:cs typeface="+mn-cs"/>
         </a:defRPr>
       </a:lvl1pPr>
-      <a:lvl2pPr marL="457200" algn="l" rtl="0" eaLnBrk="1" hangingPunct="1">
-        <a:defRPr kumimoji="1">
+      <a:lvl2pPr marL="457189" algn="l" defTabSz="914378" rtl="0" eaLnBrk="1" latinLnBrk="0" hangingPunct="1">
+        <a:defRPr sz="1800" kern="1200">
           <a:solidFill>
             <a:schemeClr val="tx1"/>
           </a:solidFill>
@@ -3250,8 +3035,8 @@
           <a:cs typeface="+mn-cs"/>
         </a:defRPr>
       </a:lvl2pPr>
-      <a:lvl3pPr marL="914400" algn="l" rtl="0" eaLnBrk="1" hangingPunct="1">
-        <a:defRPr kumimoji="1">
+      <a:lvl3pPr marL="914378" algn="l" defTabSz="914378" rtl="0" eaLnBrk="1" latinLnBrk="0" hangingPunct="1">
+        <a:defRPr sz="1800" kern="1200">
           <a:solidFill>
             <a:schemeClr val="tx1"/>
           </a:solidFill>
@@ -3260,8 +3045,8 @@
           <a:cs typeface="+mn-cs"/>
         </a:defRPr>
       </a:lvl3pPr>
-      <a:lvl4pPr marL="1371600" algn="l" rtl="0" eaLnBrk="1" hangingPunct="1">
-        <a:defRPr kumimoji="1">
+      <a:lvl4pPr marL="1371566" algn="l" defTabSz="914378" rtl="0" eaLnBrk="1" latinLnBrk="0" hangingPunct="1">
+        <a:defRPr sz="1800" kern="1200">
           <a:solidFill>
             <a:schemeClr val="tx1"/>
           </a:solidFill>
@@ -3270,8 +3055,8 @@
           <a:cs typeface="+mn-cs"/>
         </a:defRPr>
       </a:lvl4pPr>
-      <a:lvl5pPr marL="1828800" algn="l" rtl="0" eaLnBrk="1" hangingPunct="1">
-        <a:defRPr kumimoji="1">
+      <a:lvl5pPr marL="1828754" algn="l" defTabSz="914378" rtl="0" eaLnBrk="1" latinLnBrk="0" hangingPunct="1">
+        <a:defRPr sz="1800" kern="1200">
           <a:solidFill>
             <a:schemeClr val="tx1"/>
           </a:solidFill>
@@ -3280,8 +3065,8 @@
           <a:cs typeface="+mn-cs"/>
         </a:defRPr>
       </a:lvl5pPr>
-      <a:lvl6pPr marL="2286000" algn="l" rtl="0" eaLnBrk="1" hangingPunct="1">
-        <a:defRPr kumimoji="1">
+      <a:lvl6pPr marL="2285943" algn="l" defTabSz="914378" rtl="0" eaLnBrk="1" latinLnBrk="0" hangingPunct="1">
+        <a:defRPr sz="1800" kern="1200">
           <a:solidFill>
             <a:schemeClr val="tx1"/>
           </a:solidFill>
@@ -3290,8 +3075,8 @@
           <a:cs typeface="+mn-cs"/>
         </a:defRPr>
       </a:lvl6pPr>
-      <a:lvl7pPr marL="2743200" algn="l" rtl="0" eaLnBrk="1" hangingPunct="1">
-        <a:defRPr kumimoji="1">
+      <a:lvl7pPr marL="2743132" algn="l" defTabSz="914378" rtl="0" eaLnBrk="1" latinLnBrk="0" hangingPunct="1">
+        <a:defRPr sz="1800" kern="1200">
           <a:solidFill>
             <a:schemeClr val="tx1"/>
           </a:solidFill>
@@ -3300,8 +3085,8 @@
           <a:cs typeface="+mn-cs"/>
         </a:defRPr>
       </a:lvl7pPr>
-      <a:lvl8pPr marL="3200400" algn="l" rtl="0" eaLnBrk="1" hangingPunct="1">
-        <a:defRPr kumimoji="1">
+      <a:lvl8pPr marL="3200320" algn="l" defTabSz="914378" rtl="0" eaLnBrk="1" latinLnBrk="0" hangingPunct="1">
+        <a:defRPr sz="1800" kern="1200">
           <a:solidFill>
             <a:schemeClr val="tx1"/>
           </a:solidFill>
@@ -3310,8 +3095,8 @@
           <a:cs typeface="+mn-cs"/>
         </a:defRPr>
       </a:lvl8pPr>
-      <a:lvl9pPr marL="3657600" algn="l" rtl="0" eaLnBrk="1" hangingPunct="1">
-        <a:defRPr kumimoji="1">
+      <a:lvl9pPr marL="3657509" algn="l" defTabSz="914378" rtl="0" eaLnBrk="1" latinLnBrk="0" hangingPunct="1">
+        <a:defRPr sz="1800" kern="1200">
           <a:solidFill>
             <a:schemeClr val="tx1"/>
           </a:solidFill>
@@ -3344,7 +3129,7 @@
       </p:grpSpPr>
       <p:sp>
         <p:nvSpPr>
-          <p:cNvPr id="3" name="標題 2"/>
+          <p:cNvPr id="4" name="標題 3"/>
           <p:cNvSpPr>
             <a:spLocks noGrp="1"/>
           </p:cNvSpPr>
@@ -3352,103 +3137,61 @@
             <p:ph type="title"/>
           </p:nvPr>
         </p:nvSpPr>
-        <p:spPr/>
-        <p:txBody>
-          <a:bodyPr>
-            <a:normAutofit/>
-          </a:bodyPr>
-          <a:lstStyle/>
-          <a:p>
-            <a:pPr lvl="0"/>
-            <a:r>
-              <a:rPr lang="zh-TW" altLang="en-US" dirty="0" smtClean="0"/>
-              <a:t>主是我力量</a:t>
-            </a:r>
-          </a:p>
-        </p:txBody>
-      </p:sp>
-      <p:sp>
-        <p:nvSpPr>
-          <p:cNvPr id="4" name="內容版面配置區 3"/>
-          <p:cNvSpPr>
-            <a:spLocks noGrp="1"/>
-          </p:cNvSpPr>
-          <p:nvPr>
-            <p:ph idx="1"/>
-          </p:nvPr>
-        </p:nvSpPr>
-        <p:spPr/>
+        <p:spPr>
+          <a:xfrm>
+            <a:off x="0" y="2660915"/>
+            <a:ext cx="12192000" cy="1143000"/>
+          </a:xfrm>
+        </p:spPr>
         <p:txBody>
           <a:bodyPr>
             <a:noAutofit/>
           </a:bodyPr>
           <a:lstStyle/>
           <a:p>
-            <a:pPr lvl="0" algn="ctr" fontAlgn="base">
-              <a:spcAft>
-                <a:spcPct val="0"/>
-              </a:spcAft>
-              <a:buNone/>
-            </a:pPr>
-            <a:r>
-              <a:rPr lang="zh-TW" altLang="en-US" sz="5400" dirty="0" smtClean="0"/>
-              <a:t>主是我力量　我力量　</a:t>
-            </a:r>
-            <a:endParaRPr lang="en-US" altLang="zh-TW" sz="5400" dirty="0" smtClean="0"/>
-          </a:p>
-          <a:p>
-            <a:pPr lvl="0" algn="ctr" fontAlgn="base">
-              <a:spcAft>
-                <a:spcPct val="0"/>
-              </a:spcAft>
-              <a:buNone/>
-            </a:pPr>
-            <a:r>
-              <a:rPr lang="zh-TW" altLang="en-US" sz="5400" dirty="0" smtClean="0"/>
+            <a:r>
+              <a:rPr lang="zh-TW" altLang="en-US" sz="7200" b="1" i="1" dirty="0">
+                <a:solidFill>
+                  <a:srgbClr val="000066"/>
+                </a:solidFill>
+                <a:effectLst>
+                  <a:outerShdw blurRad="38100" dist="38100" dir="2700000" algn="tl">
+                    <a:srgbClr val="000000">
+                      <a:alpha val="43137"/>
+                    </a:srgbClr>
+                  </a:outerShdw>
+                </a:effectLst>
+                <a:latin typeface="微軟正黑體" pitchFamily="34" charset="-120"/>
+                <a:ea typeface="微軟正黑體" pitchFamily="34" charset="-120"/>
+              </a:rPr>
               <a:t>主</a:t>
             </a:r>
             <a:r>
-              <a:rPr lang="zh-TW" altLang="en-US" sz="5400" dirty="0" smtClean="0"/>
-              <a:t>是患難中力量　</a:t>
-            </a:r>
-            <a:endParaRPr lang="en-US" altLang="zh-TW" sz="5400" dirty="0" smtClean="0"/>
-          </a:p>
-          <a:p>
-            <a:pPr lvl="0" algn="ctr" fontAlgn="base">
-              <a:spcAft>
-                <a:spcPct val="0"/>
-              </a:spcAft>
-              <a:buNone/>
-            </a:pPr>
-            <a:r>
-              <a:rPr lang="zh-TW" altLang="en-US" sz="5400" dirty="0" smtClean="0"/>
-              <a:t>主</a:t>
-            </a:r>
-            <a:r>
-              <a:rPr lang="zh-TW" altLang="en-US" sz="5400" dirty="0" smtClean="0"/>
-              <a:t>是我幫助我幫助</a:t>
-            </a:r>
-          </a:p>
-          <a:p>
-            <a:pPr lvl="0" algn="ctr" fontAlgn="base">
-              <a:spcAft>
-                <a:spcPct val="0"/>
-              </a:spcAft>
-              <a:buNone/>
-            </a:pPr>
-            <a:r>
-              <a:rPr lang="zh-TW" altLang="en-US" sz="5400" dirty="0" smtClean="0"/>
-              <a:t>主是隨時的</a:t>
-            </a:r>
-            <a:r>
-              <a:rPr lang="zh-TW" altLang="en-US" sz="5400" dirty="0" smtClean="0"/>
-              <a:t>幫助</a:t>
-            </a:r>
-            <a:endParaRPr lang="zh-TW" altLang="en-US" sz="5400" dirty="0" smtClean="0"/>
+              <a:rPr lang="zh-TW" altLang="en-US" sz="7200" b="1" i="1" dirty="0">
+                <a:solidFill>
+                  <a:srgbClr val="000066"/>
+                </a:solidFill>
+                <a:effectLst>
+                  <a:outerShdw blurRad="38100" dist="38100" dir="2700000" algn="tl">
+                    <a:srgbClr val="000000">
+                      <a:alpha val="43137"/>
+                    </a:srgbClr>
+                  </a:outerShdw>
+                </a:effectLst>
+                <a:latin typeface="微軟正黑體" pitchFamily="34" charset="-120"/>
+                <a:ea typeface="微軟正黑體" pitchFamily="34" charset="-120"/>
+              </a:rPr>
+              <a:t>是我力量</a:t>
+            </a:r>
           </a:p>
         </p:txBody>
       </p:sp>
     </p:spTree>
+    <p:extLst>
+      <p:ext uri="{BB962C8B-B14F-4D97-AF65-F5344CB8AC3E}">
+        <p14:creationId xmlns:p14="http://schemas.microsoft.com/office/powerpoint/2010/main" val="346533219"/>
+      </p:ext>
+    </p:extLst>
   </p:cSld>
   <p:clrMapOvr>
     <a:masterClrMapping/>
@@ -3475,43 +3218,23 @@
       </p:grpSpPr>
       <p:sp>
         <p:nvSpPr>
-          <p:cNvPr id="3" name="標題 2"/>
-          <p:cNvSpPr>
-            <a:spLocks noGrp="1"/>
-          </p:cNvSpPr>
-          <p:nvPr>
-            <p:ph type="title"/>
-          </p:nvPr>
-        </p:nvSpPr>
-        <p:spPr/>
-        <p:txBody>
-          <a:bodyPr>
+          <p:cNvPr id="5" name="內容版面配置區 4"/>
+          <p:cNvSpPr>
+            <a:spLocks noGrp="1"/>
+          </p:cNvSpPr>
+          <p:nvPr>
+            <p:ph idx="1"/>
+          </p:nvPr>
+        </p:nvSpPr>
+        <p:spPr>
+          <a:xfrm>
+            <a:off x="0" y="2084851"/>
+            <a:ext cx="12192000" cy="2404863"/>
+          </a:xfrm>
+        </p:spPr>
+        <p:txBody>
+          <a:bodyPr anchor="ctr">
             <a:normAutofit/>
-          </a:bodyPr>
-          <a:lstStyle/>
-          <a:p>
-            <a:pPr lvl="0"/>
-            <a:r>
-              <a:rPr lang="zh-TW" altLang="en-US" dirty="0" smtClean="0"/>
-              <a:t>主是我力量</a:t>
-            </a:r>
-          </a:p>
-        </p:txBody>
-      </p:sp>
-      <p:sp>
-        <p:nvSpPr>
-          <p:cNvPr id="4" name="內容版面配置區 3"/>
-          <p:cNvSpPr>
-            <a:spLocks noGrp="1"/>
-          </p:cNvSpPr>
-          <p:nvPr>
-            <p:ph idx="1"/>
-          </p:nvPr>
-        </p:nvSpPr>
-        <p:spPr/>
-        <p:txBody>
-          <a:bodyPr>
-            <a:noAutofit/>
           </a:bodyPr>
           <a:lstStyle/>
           <a:p>
@@ -3522,18 +3245,52 @@
               <a:buNone/>
             </a:pPr>
             <a:r>
-              <a:rPr lang="zh-TW" altLang="en-US" sz="5400" dirty="0" smtClean="0"/>
+              <a:rPr lang="zh-TW" altLang="en-US" sz="6400" b="1" dirty="0">
+                <a:solidFill>
+                  <a:srgbClr val="000066"/>
+                </a:solidFill>
+                <a:latin typeface="微軟正黑體" pitchFamily="34" charset="-120"/>
+                <a:ea typeface="微軟正黑體" pitchFamily="34" charset="-120"/>
+              </a:rPr>
               <a:t>主</a:t>
             </a:r>
             <a:r>
-              <a:rPr lang="zh-TW" altLang="en-US" sz="5400" dirty="0" smtClean="0"/>
-              <a:t>是避難所　我</a:t>
-            </a:r>
-            <a:r>
-              <a:rPr lang="zh-TW" altLang="en-US" sz="5400" dirty="0" smtClean="0"/>
-              <a:t>避難所</a:t>
-            </a:r>
-            <a:endParaRPr lang="en-US" altLang="zh-TW" sz="5400" dirty="0" smtClean="0"/>
+              <a:rPr lang="zh-TW" altLang="en-US" sz="6400" b="1" dirty="0">
+                <a:solidFill>
+                  <a:srgbClr val="000066"/>
+                </a:solidFill>
+                <a:latin typeface="微軟正黑體" pitchFamily="34" charset="-120"/>
+                <a:ea typeface="微軟正黑體" pitchFamily="34" charset="-120"/>
+              </a:rPr>
+              <a:t>是我力</a:t>
+            </a:r>
+            <a:r>
+              <a:rPr lang="zh-TW" altLang="en-US" sz="6400" b="1" dirty="0">
+                <a:solidFill>
+                  <a:srgbClr val="000066"/>
+                </a:solidFill>
+                <a:latin typeface="微軟正黑體" pitchFamily="34" charset="-120"/>
+                <a:ea typeface="微軟正黑體" pitchFamily="34" charset="-120"/>
+              </a:rPr>
+              <a:t>量   我</a:t>
+            </a:r>
+            <a:r>
+              <a:rPr lang="zh-TW" altLang="en-US" sz="6400" b="1" dirty="0">
+                <a:solidFill>
+                  <a:srgbClr val="000066"/>
+                </a:solidFill>
+                <a:latin typeface="微軟正黑體" pitchFamily="34" charset="-120"/>
+                <a:ea typeface="微軟正黑體" pitchFamily="34" charset="-120"/>
+              </a:rPr>
+              <a:t>力量　</a:t>
+            </a:r>
+            <a:endParaRPr lang="en-US" altLang="zh-TW" sz="6400" b="1" dirty="0">
+              <a:solidFill>
+                <a:srgbClr val="000066"/>
+              </a:solidFill>
+              <a:latin typeface="微軟正黑體" pitchFamily="34" charset="-120"/>
+              <a:ea typeface="微軟正黑體" pitchFamily="34" charset="-120"/>
+            </a:endParaRPr>
           </a:p>
           <a:p>
             <a:pPr lvl="0" algn="ctr" fontAlgn="base">
@@ -3543,64 +3300,31 @@
               <a:buNone/>
             </a:pPr>
             <a:r>
-              <a:rPr lang="zh-TW" altLang="en-US" sz="5400" dirty="0" smtClean="0"/>
-              <a:t>主</a:t>
-            </a:r>
-            <a:r>
-              <a:rPr lang="zh-TW" altLang="en-US" sz="5400" dirty="0" smtClean="0"/>
-              <a:t>是堅固</a:t>
-            </a:r>
-            <a:r>
-              <a:rPr lang="zh-TW" altLang="en-US" sz="5400" dirty="0" smtClean="0"/>
-              <a:t>避難所</a:t>
-            </a:r>
-            <a:endParaRPr lang="en-US" altLang="zh-TW" sz="5400" dirty="0" smtClean="0"/>
-          </a:p>
-          <a:p>
-            <a:pPr lvl="0" algn="ctr" fontAlgn="base">
-              <a:spcAft>
-                <a:spcPct val="0"/>
-              </a:spcAft>
-              <a:buNone/>
-            </a:pPr>
-            <a:r>
-              <a:rPr lang="zh-TW" altLang="en-US" sz="5400" dirty="0" smtClean="0"/>
-              <a:t>主</a:t>
-            </a:r>
-            <a:r>
-              <a:rPr lang="zh-TW" altLang="en-US" sz="5400" dirty="0" smtClean="0"/>
-              <a:t>是我力量我</a:t>
-            </a:r>
-            <a:r>
-              <a:rPr lang="zh-TW" altLang="en-US" sz="5400" dirty="0" smtClean="0"/>
-              <a:t>幫助</a:t>
-            </a:r>
-            <a:endParaRPr lang="en-US" altLang="zh-TW" sz="5400" dirty="0" smtClean="0"/>
-          </a:p>
-          <a:p>
-            <a:pPr lvl="0" algn="ctr" fontAlgn="base">
-              <a:spcAft>
-                <a:spcPct val="0"/>
-              </a:spcAft>
-              <a:buNone/>
-            </a:pPr>
-            <a:r>
-              <a:rPr lang="zh-TW" altLang="en-US" sz="5400" dirty="0" smtClean="0"/>
-              <a:t>唯</a:t>
-            </a:r>
-            <a:r>
-              <a:rPr lang="zh-TW" altLang="en-US" sz="5400" dirty="0" smtClean="0"/>
-              <a:t>主是</a:t>
-            </a:r>
-            <a:r>
-              <a:rPr lang="zh-TW" altLang="en-US" sz="5400" dirty="0" smtClean="0"/>
-              <a:t>避難所</a:t>
-            </a:r>
-            <a:endParaRPr lang="zh-TW" altLang="en-US" sz="5400" dirty="0" smtClean="0"/>
+              <a:rPr lang="zh-TW" altLang="en-US" sz="6400" b="1" dirty="0">
+                <a:solidFill>
+                  <a:srgbClr val="000066"/>
+                </a:solidFill>
+                <a:latin typeface="微軟正黑體" pitchFamily="34" charset="-120"/>
+                <a:ea typeface="微軟正黑體" pitchFamily="34" charset="-120"/>
+              </a:rPr>
+              <a:t>主是患難中力量</a:t>
+            </a:r>
+            <a:endParaRPr lang="en-US" altLang="zh-TW" sz="6400" b="1" dirty="0">
+              <a:solidFill>
+                <a:srgbClr val="000066"/>
+              </a:solidFill>
+              <a:latin typeface="微軟正黑體" pitchFamily="34" charset="-120"/>
+              <a:ea typeface="微軟正黑體" pitchFamily="34" charset="-120"/>
+            </a:endParaRPr>
           </a:p>
         </p:txBody>
       </p:sp>
     </p:spTree>
+    <p:extLst>
+      <p:ext uri="{BB962C8B-B14F-4D97-AF65-F5344CB8AC3E}">
+        <p14:creationId xmlns:p14="http://schemas.microsoft.com/office/powerpoint/2010/main" val="2675535322"/>
+      </p:ext>
+    </p:extLst>
   </p:cSld>
   <p:clrMapOvr>
     <a:masterClrMapping/>
@@ -3627,32 +3351,7 @@
       </p:grpSpPr>
       <p:sp>
         <p:nvSpPr>
-          <p:cNvPr id="3" name="標題 2"/>
-          <p:cNvSpPr>
-            <a:spLocks noGrp="1"/>
-          </p:cNvSpPr>
-          <p:nvPr>
-            <p:ph type="title"/>
-          </p:nvPr>
-        </p:nvSpPr>
-        <p:spPr/>
-        <p:txBody>
-          <a:bodyPr>
-            <a:normAutofit/>
-          </a:bodyPr>
-          <a:lstStyle/>
-          <a:p>
-            <a:pPr lvl="0"/>
-            <a:r>
-              <a:rPr lang="zh-TW" altLang="en-US" dirty="0" smtClean="0"/>
-              <a:t>主是我力量</a:t>
-            </a:r>
-          </a:p>
-        </p:txBody>
-      </p:sp>
-      <p:sp>
-        <p:nvSpPr>
-          <p:cNvPr id="4" name="內容版面配置區 3"/>
+          <p:cNvPr id="5" name="內容版面配置區 4"/>
           <p:cNvSpPr>
             <a:spLocks noGrp="1"/>
           </p:cNvSpPr>
@@ -3662,13 +3361,13 @@
         </p:nvSpPr>
         <p:spPr>
           <a:xfrm>
-            <a:off x="0" y="1554162"/>
-            <a:ext cx="9144000" cy="4525963"/>
+            <a:off x="0" y="2084851"/>
+            <a:ext cx="12192000" cy="2404863"/>
           </a:xfrm>
         </p:spPr>
         <p:txBody>
-          <a:bodyPr>
-            <a:noAutofit/>
+          <a:bodyPr anchor="ctr">
+            <a:normAutofit/>
           </a:bodyPr>
           <a:lstStyle/>
           <a:p>
@@ -3679,26 +3378,35 @@
               <a:buNone/>
             </a:pPr>
             <a:r>
-              <a:rPr lang="zh-TW" altLang="en-US" sz="5400" dirty="0" smtClean="0"/>
-              <a:t>大地</a:t>
-            </a:r>
-            <a:r>
-              <a:rPr lang="zh-TW" altLang="en-US" sz="5400" dirty="0" smtClean="0"/>
-              <a:t>雖會改變　</a:t>
-            </a:r>
-            <a:r>
-              <a:rPr lang="zh-TW" altLang="en-US" sz="5400" dirty="0" smtClean="0"/>
-              <a:t>高山</a:t>
-            </a:r>
-            <a:r>
-              <a:rPr lang="zh-TW" altLang="en-US" sz="5400" dirty="0" smtClean="0"/>
-              <a:t>雖會</a:t>
-            </a:r>
-            <a:r>
-              <a:rPr lang="zh-TW" altLang="en-US" sz="5400" dirty="0" smtClean="0"/>
-              <a:t>動搖</a:t>
-            </a:r>
-            <a:endParaRPr lang="en-US" altLang="zh-TW" sz="5400" dirty="0" smtClean="0"/>
+              <a:rPr lang="zh-TW" altLang="en-US" sz="6400" b="1" dirty="0">
+                <a:solidFill>
+                  <a:srgbClr val="000066"/>
+                </a:solidFill>
+                <a:latin typeface="微軟正黑體" pitchFamily="34" charset="-120"/>
+                <a:ea typeface="微軟正黑體" pitchFamily="34" charset="-120"/>
+              </a:rPr>
+              <a:t>主是我幫</a:t>
+            </a:r>
+            <a:r>
+              <a:rPr lang="zh-TW" altLang="en-US" sz="6400" b="1" dirty="0">
+                <a:solidFill>
+                  <a:srgbClr val="000066"/>
+                </a:solidFill>
+                <a:latin typeface="微軟正黑體" pitchFamily="34" charset="-120"/>
+                <a:ea typeface="微軟正黑體" pitchFamily="34" charset="-120"/>
+              </a:rPr>
+              <a:t>助   我</a:t>
+            </a:r>
+            <a:r>
+              <a:rPr lang="zh-TW" altLang="en-US" sz="6400" b="1" dirty="0">
+                <a:solidFill>
+                  <a:srgbClr val="000066"/>
+                </a:solidFill>
+                <a:latin typeface="微軟正黑體" pitchFamily="34" charset="-120"/>
+                <a:ea typeface="微軟正黑體" pitchFamily="34" charset="-120"/>
+              </a:rPr>
+              <a:t>幫助</a:t>
+            </a:r>
           </a:p>
           <a:p>
             <a:pPr lvl="0" algn="ctr" fontAlgn="base">
@@ -3708,15 +3416,69 @@
               <a:buNone/>
             </a:pPr>
             <a:r>
-              <a:rPr lang="zh-TW" altLang="en-US" sz="5400" dirty="0" smtClean="0"/>
-              <a:t>大海</a:t>
-            </a:r>
-            <a:r>
-              <a:rPr lang="zh-TW" altLang="en-US" sz="5400" dirty="0" smtClean="0"/>
-              <a:t>翻騰　大浪戰抖　</a:t>
-            </a:r>
-            <a:endParaRPr lang="en-US" altLang="zh-TW" sz="5400" dirty="0" smtClean="0"/>
-          </a:p>
+              <a:rPr lang="zh-TW" altLang="en-US" sz="6400" b="1" dirty="0">
+                <a:solidFill>
+                  <a:srgbClr val="000066"/>
+                </a:solidFill>
+                <a:latin typeface="微軟正黑體" pitchFamily="34" charset="-120"/>
+                <a:ea typeface="微軟正黑體" pitchFamily="34" charset="-120"/>
+              </a:rPr>
+              <a:t>主是隨時的幫助</a:t>
+            </a:r>
+          </a:p>
+        </p:txBody>
+      </p:sp>
+    </p:spTree>
+    <p:extLst>
+      <p:ext uri="{BB962C8B-B14F-4D97-AF65-F5344CB8AC3E}">
+        <p14:creationId xmlns:p14="http://schemas.microsoft.com/office/powerpoint/2010/main" val="3037660069"/>
+      </p:ext>
+    </p:extLst>
+  </p:cSld>
+  <p:clrMapOvr>
+    <a:masterClrMapping/>
+  </p:clrMapOvr>
+</p:sld>
+</file>
+
+<file path=ppt/slides/slide4.xml><?xml version="1.0" encoding="utf-8"?>
+<p:sld xmlns:a="http://schemas.openxmlformats.org/drawingml/2006/main" xmlns:r="http://schemas.openxmlformats.org/officeDocument/2006/relationships" xmlns:p="http://schemas.openxmlformats.org/presentationml/2006/main">
+  <p:cSld>
+    <p:spTree>
+      <p:nvGrpSpPr>
+        <p:cNvPr id="1" name=""/>
+        <p:cNvGrpSpPr/>
+        <p:nvPr/>
+      </p:nvGrpSpPr>
+      <p:grpSpPr>
+        <a:xfrm>
+          <a:off x="0" y="0"/>
+          <a:ext cx="0" cy="0"/>
+          <a:chOff x="0" y="0"/>
+          <a:chExt cx="0" cy="0"/>
+        </a:xfrm>
+      </p:grpSpPr>
+      <p:sp>
+        <p:nvSpPr>
+          <p:cNvPr id="5" name="內容版面配置區 4"/>
+          <p:cNvSpPr>
+            <a:spLocks noGrp="1"/>
+          </p:cNvSpPr>
+          <p:nvPr>
+            <p:ph idx="1"/>
+          </p:nvPr>
+        </p:nvSpPr>
+        <p:spPr>
+          <a:xfrm>
+            <a:off x="0" y="2084851"/>
+            <a:ext cx="12192000" cy="2404863"/>
+          </a:xfrm>
+        </p:spPr>
+        <p:txBody>
+          <a:bodyPr anchor="ctr">
+            <a:normAutofit/>
+          </a:bodyPr>
+          <a:lstStyle/>
           <a:p>
             <a:pPr lvl="0" algn="ctr" fontAlgn="base">
               <a:spcAft>
@@ -3725,18 +3487,42 @@
               <a:buNone/>
             </a:pPr>
             <a:r>
-              <a:rPr lang="zh-TW" altLang="en-US" sz="5400" dirty="0" smtClean="0"/>
-              <a:t>但</a:t>
-            </a:r>
-            <a:r>
-              <a:rPr lang="zh-TW" altLang="en-US" sz="5400" dirty="0" smtClean="0"/>
-              <a:t>我們卻不</a:t>
-            </a:r>
-            <a:r>
-              <a:rPr lang="zh-TW" altLang="en-US" sz="5400" dirty="0" smtClean="0"/>
-              <a:t>害怕</a:t>
-            </a:r>
-            <a:endParaRPr lang="en-US" altLang="zh-TW" sz="5400" dirty="0" smtClean="0"/>
+              <a:rPr lang="zh-TW" altLang="en-US" sz="6400" b="1" dirty="0">
+                <a:solidFill>
+                  <a:srgbClr val="000066"/>
+                </a:solidFill>
+                <a:latin typeface="微軟正黑體" pitchFamily="34" charset="-120"/>
+                <a:ea typeface="微軟正黑體" pitchFamily="34" charset="-120"/>
+              </a:rPr>
+              <a:t>主是避難</a:t>
+            </a:r>
+            <a:r>
+              <a:rPr lang="zh-TW" altLang="en-US" sz="6400" b="1" dirty="0">
+                <a:solidFill>
+                  <a:srgbClr val="000066"/>
+                </a:solidFill>
+                <a:latin typeface="微軟正黑體" pitchFamily="34" charset="-120"/>
+                <a:ea typeface="微軟正黑體" pitchFamily="34" charset="-120"/>
+              </a:rPr>
+              <a:t>所   我</a:t>
+            </a:r>
+            <a:r>
+              <a:rPr lang="zh-TW" altLang="en-US" sz="6400" b="1" dirty="0">
+                <a:solidFill>
+                  <a:srgbClr val="000066"/>
+                </a:solidFill>
+                <a:latin typeface="微軟正黑體" pitchFamily="34" charset="-120"/>
+                <a:ea typeface="微軟正黑體" pitchFamily="34" charset="-120"/>
+              </a:rPr>
+              <a:t>避難所</a:t>
+            </a:r>
+            <a:endParaRPr lang="en-US" altLang="zh-TW" sz="6400" b="1" dirty="0">
+              <a:solidFill>
+                <a:srgbClr val="000066"/>
+              </a:solidFill>
+              <a:latin typeface="微軟正黑體" pitchFamily="34" charset="-120"/>
+              <a:ea typeface="微軟正黑體" pitchFamily="34" charset="-120"/>
+            </a:endParaRPr>
           </a:p>
           <a:p>
             <a:pPr lvl="0" algn="ctr" fontAlgn="base">
@@ -3746,11 +3532,76 @@
               <a:buNone/>
             </a:pPr>
             <a:r>
-              <a:rPr lang="zh-TW" altLang="en-US" sz="5400" dirty="0" smtClean="0"/>
-              <a:t>喂　哦　喂　哦　</a:t>
-            </a:r>
-            <a:endParaRPr lang="en-US" altLang="zh-TW" sz="5400" dirty="0" smtClean="0"/>
-          </a:p>
+              <a:rPr lang="zh-TW" altLang="en-US" sz="6400" b="1" dirty="0">
+                <a:solidFill>
+                  <a:srgbClr val="000066"/>
+                </a:solidFill>
+                <a:latin typeface="微軟正黑體" pitchFamily="34" charset="-120"/>
+                <a:ea typeface="微軟正黑體" pitchFamily="34" charset="-120"/>
+              </a:rPr>
+              <a:t>主是堅固避難所</a:t>
+            </a:r>
+            <a:endParaRPr lang="en-US" altLang="zh-TW" sz="6400" b="1" dirty="0">
+              <a:solidFill>
+                <a:srgbClr val="000066"/>
+              </a:solidFill>
+              <a:latin typeface="微軟正黑體" pitchFamily="34" charset="-120"/>
+              <a:ea typeface="微軟正黑體" pitchFamily="34" charset="-120"/>
+            </a:endParaRPr>
+          </a:p>
+        </p:txBody>
+      </p:sp>
+    </p:spTree>
+    <p:extLst>
+      <p:ext uri="{BB962C8B-B14F-4D97-AF65-F5344CB8AC3E}">
+        <p14:creationId xmlns:p14="http://schemas.microsoft.com/office/powerpoint/2010/main" val="583268370"/>
+      </p:ext>
+    </p:extLst>
+  </p:cSld>
+  <p:clrMapOvr>
+    <a:masterClrMapping/>
+  </p:clrMapOvr>
+</p:sld>
+</file>
+
+<file path=ppt/slides/slide5.xml><?xml version="1.0" encoding="utf-8"?>
+<p:sld xmlns:a="http://schemas.openxmlformats.org/drawingml/2006/main" xmlns:r="http://schemas.openxmlformats.org/officeDocument/2006/relationships" xmlns:p="http://schemas.openxmlformats.org/presentationml/2006/main">
+  <p:cSld>
+    <p:spTree>
+      <p:nvGrpSpPr>
+        <p:cNvPr id="1" name=""/>
+        <p:cNvGrpSpPr/>
+        <p:nvPr/>
+      </p:nvGrpSpPr>
+      <p:grpSpPr>
+        <a:xfrm>
+          <a:off x="0" y="0"/>
+          <a:ext cx="0" cy="0"/>
+          <a:chOff x="0" y="0"/>
+          <a:chExt cx="0" cy="0"/>
+        </a:xfrm>
+      </p:grpSpPr>
+      <p:sp>
+        <p:nvSpPr>
+          <p:cNvPr id="5" name="內容版面配置區 4"/>
+          <p:cNvSpPr>
+            <a:spLocks noGrp="1"/>
+          </p:cNvSpPr>
+          <p:nvPr>
+            <p:ph idx="1"/>
+          </p:nvPr>
+        </p:nvSpPr>
+        <p:spPr>
+          <a:xfrm>
+            <a:off x="0" y="2084851"/>
+            <a:ext cx="12192000" cy="2404863"/>
+          </a:xfrm>
+        </p:spPr>
+        <p:txBody>
+          <a:bodyPr anchor="ctr">
+            <a:normAutofit/>
+          </a:bodyPr>
+          <a:lstStyle/>
           <a:p>
             <a:pPr lvl="0" algn="ctr" fontAlgn="base">
               <a:spcAft>
@@ -3759,18 +3610,518 @@
               <a:buNone/>
             </a:pPr>
             <a:r>
-              <a:rPr lang="zh-TW" altLang="en-US" sz="5400" dirty="0" smtClean="0"/>
-              <a:t>喂　哦　喂　</a:t>
-            </a:r>
-            <a:r>
-              <a:rPr lang="zh-TW" altLang="en-US" sz="5400" dirty="0" smtClean="0"/>
-              <a:t>哦</a:t>
-            </a:r>
-            <a:endParaRPr lang="zh-TW" altLang="en-US" sz="5400" dirty="0" smtClean="0"/>
+              <a:rPr lang="zh-TW" altLang="en-US" sz="6400" b="1" dirty="0">
+                <a:solidFill>
+                  <a:srgbClr val="000066"/>
+                </a:solidFill>
+                <a:latin typeface="微軟正黑體" pitchFamily="34" charset="-120"/>
+                <a:ea typeface="微軟正黑體" pitchFamily="34" charset="-120"/>
+              </a:rPr>
+              <a:t>主是我力</a:t>
+            </a:r>
+            <a:r>
+              <a:rPr lang="zh-TW" altLang="en-US" sz="6400" b="1" dirty="0">
+                <a:solidFill>
+                  <a:srgbClr val="000066"/>
+                </a:solidFill>
+                <a:latin typeface="微軟正黑體" pitchFamily="34" charset="-120"/>
+                <a:ea typeface="微軟正黑體" pitchFamily="34" charset="-120"/>
+              </a:rPr>
+              <a:t>量   我</a:t>
+            </a:r>
+            <a:r>
+              <a:rPr lang="zh-TW" altLang="en-US" sz="6400" b="1" dirty="0">
+                <a:solidFill>
+                  <a:srgbClr val="000066"/>
+                </a:solidFill>
+                <a:latin typeface="微軟正黑體" pitchFamily="34" charset="-120"/>
+                <a:ea typeface="微軟正黑體" pitchFamily="34" charset="-120"/>
+              </a:rPr>
+              <a:t>幫助</a:t>
+            </a:r>
+            <a:endParaRPr lang="en-US" altLang="zh-TW" sz="6400" b="1" dirty="0">
+              <a:solidFill>
+                <a:srgbClr val="000066"/>
+              </a:solidFill>
+              <a:latin typeface="微軟正黑體" pitchFamily="34" charset="-120"/>
+              <a:ea typeface="微軟正黑體" pitchFamily="34" charset="-120"/>
+            </a:endParaRPr>
+          </a:p>
+          <a:p>
+            <a:pPr lvl="0" algn="ctr" fontAlgn="base">
+              <a:spcAft>
+                <a:spcPct val="0"/>
+              </a:spcAft>
+              <a:buNone/>
+            </a:pPr>
+            <a:r>
+              <a:rPr lang="zh-TW" altLang="en-US" sz="6400" b="1" dirty="0">
+                <a:solidFill>
+                  <a:srgbClr val="000066"/>
+                </a:solidFill>
+                <a:latin typeface="微軟正黑體" pitchFamily="34" charset="-120"/>
+                <a:ea typeface="微軟正黑體" pitchFamily="34" charset="-120"/>
+              </a:rPr>
+              <a:t>唯主是避難所</a:t>
+            </a:r>
           </a:p>
         </p:txBody>
       </p:sp>
     </p:spTree>
+    <p:extLst>
+      <p:ext uri="{BB962C8B-B14F-4D97-AF65-F5344CB8AC3E}">
+        <p14:creationId xmlns:p14="http://schemas.microsoft.com/office/powerpoint/2010/main" val="636416235"/>
+      </p:ext>
+    </p:extLst>
+  </p:cSld>
+  <p:clrMapOvr>
+    <a:masterClrMapping/>
+  </p:clrMapOvr>
+</p:sld>
+</file>
+
+<file path=ppt/slides/slide6.xml><?xml version="1.0" encoding="utf-8"?>
+<p:sld xmlns:a="http://schemas.openxmlformats.org/drawingml/2006/main" xmlns:r="http://schemas.openxmlformats.org/officeDocument/2006/relationships" xmlns:p="http://schemas.openxmlformats.org/presentationml/2006/main">
+  <p:cSld>
+    <p:spTree>
+      <p:nvGrpSpPr>
+        <p:cNvPr id="1" name=""/>
+        <p:cNvGrpSpPr/>
+        <p:nvPr/>
+      </p:nvGrpSpPr>
+      <p:grpSpPr>
+        <a:xfrm>
+          <a:off x="0" y="0"/>
+          <a:ext cx="0" cy="0"/>
+          <a:chOff x="0" y="0"/>
+          <a:chExt cx="0" cy="0"/>
+        </a:xfrm>
+      </p:grpSpPr>
+      <p:sp>
+        <p:nvSpPr>
+          <p:cNvPr id="5" name="內容版面配置區 4"/>
+          <p:cNvSpPr>
+            <a:spLocks noGrp="1"/>
+          </p:cNvSpPr>
+          <p:nvPr>
+            <p:ph idx="1"/>
+          </p:nvPr>
+        </p:nvSpPr>
+        <p:spPr>
+          <a:xfrm>
+            <a:off x="0" y="2084851"/>
+            <a:ext cx="12192000" cy="2404863"/>
+          </a:xfrm>
+        </p:spPr>
+        <p:txBody>
+          <a:bodyPr anchor="ctr">
+            <a:normAutofit/>
+          </a:bodyPr>
+          <a:lstStyle/>
+          <a:p>
+            <a:pPr lvl="0" algn="ctr" fontAlgn="base">
+              <a:spcAft>
+                <a:spcPct val="0"/>
+              </a:spcAft>
+              <a:buNone/>
+            </a:pPr>
+            <a:r>
+              <a:rPr lang="zh-TW" altLang="en-US" sz="6400" b="1" dirty="0">
+                <a:solidFill>
+                  <a:srgbClr val="000066"/>
+                </a:solidFill>
+                <a:latin typeface="微軟正黑體" pitchFamily="34" charset="-120"/>
+                <a:ea typeface="微軟正黑體" pitchFamily="34" charset="-120"/>
+              </a:rPr>
+              <a:t>大地雖會改</a:t>
+            </a:r>
+            <a:r>
+              <a:rPr lang="zh-TW" altLang="en-US" sz="6400" b="1" dirty="0">
+                <a:solidFill>
+                  <a:srgbClr val="000066"/>
+                </a:solidFill>
+                <a:latin typeface="微軟正黑體" pitchFamily="34" charset="-120"/>
+                <a:ea typeface="微軟正黑體" pitchFamily="34" charset="-120"/>
+              </a:rPr>
+              <a:t>變</a:t>
+            </a:r>
+            <a:endParaRPr lang="en-US" altLang="zh-TW" sz="6400" b="1" dirty="0">
+              <a:solidFill>
+                <a:srgbClr val="000066"/>
+              </a:solidFill>
+              <a:latin typeface="微軟正黑體" pitchFamily="34" charset="-120"/>
+              <a:ea typeface="微軟正黑體" pitchFamily="34" charset="-120"/>
+            </a:endParaRPr>
+          </a:p>
+          <a:p>
+            <a:pPr lvl="0" algn="ctr" fontAlgn="base">
+              <a:spcAft>
+                <a:spcPct val="0"/>
+              </a:spcAft>
+              <a:buNone/>
+            </a:pPr>
+            <a:r>
+              <a:rPr lang="zh-TW" altLang="en-US" sz="6400" b="1" dirty="0">
+                <a:solidFill>
+                  <a:srgbClr val="000066"/>
+                </a:solidFill>
+                <a:latin typeface="微軟正黑體" pitchFamily="34" charset="-120"/>
+                <a:ea typeface="微軟正黑體" pitchFamily="34" charset="-120"/>
+              </a:rPr>
+              <a:t>高</a:t>
+            </a:r>
+            <a:r>
+              <a:rPr lang="zh-TW" altLang="en-US" sz="6400" b="1" dirty="0">
+                <a:solidFill>
+                  <a:srgbClr val="000066"/>
+                </a:solidFill>
+                <a:latin typeface="微軟正黑體" pitchFamily="34" charset="-120"/>
+                <a:ea typeface="微軟正黑體" pitchFamily="34" charset="-120"/>
+              </a:rPr>
+              <a:t>山雖會動搖</a:t>
+            </a:r>
+            <a:endParaRPr lang="en-US" altLang="zh-TW" sz="6400" b="1" dirty="0">
+              <a:solidFill>
+                <a:srgbClr val="000066"/>
+              </a:solidFill>
+              <a:latin typeface="微軟正黑體" pitchFamily="34" charset="-120"/>
+              <a:ea typeface="微軟正黑體" pitchFamily="34" charset="-120"/>
+            </a:endParaRPr>
+          </a:p>
+        </p:txBody>
+      </p:sp>
+    </p:spTree>
+    <p:extLst>
+      <p:ext uri="{BB962C8B-B14F-4D97-AF65-F5344CB8AC3E}">
+        <p14:creationId xmlns:p14="http://schemas.microsoft.com/office/powerpoint/2010/main" val="2850053300"/>
+      </p:ext>
+    </p:extLst>
+  </p:cSld>
+  <p:clrMapOvr>
+    <a:masterClrMapping/>
+  </p:clrMapOvr>
+</p:sld>
+</file>
+
+<file path=ppt/slides/slide7.xml><?xml version="1.0" encoding="utf-8"?>
+<p:sld xmlns:a="http://schemas.openxmlformats.org/drawingml/2006/main" xmlns:r="http://schemas.openxmlformats.org/officeDocument/2006/relationships" xmlns:p="http://schemas.openxmlformats.org/presentationml/2006/main">
+  <p:cSld>
+    <p:spTree>
+      <p:nvGrpSpPr>
+        <p:cNvPr id="1" name=""/>
+        <p:cNvGrpSpPr/>
+        <p:nvPr/>
+      </p:nvGrpSpPr>
+      <p:grpSpPr>
+        <a:xfrm>
+          <a:off x="0" y="0"/>
+          <a:ext cx="0" cy="0"/>
+          <a:chOff x="0" y="0"/>
+          <a:chExt cx="0" cy="0"/>
+        </a:xfrm>
+      </p:grpSpPr>
+      <p:sp>
+        <p:nvSpPr>
+          <p:cNvPr id="5" name="內容版面配置區 4"/>
+          <p:cNvSpPr>
+            <a:spLocks noGrp="1"/>
+          </p:cNvSpPr>
+          <p:nvPr>
+            <p:ph idx="1"/>
+          </p:nvPr>
+        </p:nvSpPr>
+        <p:spPr>
+          <a:xfrm>
+            <a:off x="0" y="2084851"/>
+            <a:ext cx="12192000" cy="2404863"/>
+          </a:xfrm>
+        </p:spPr>
+        <p:txBody>
+          <a:bodyPr anchor="ctr">
+            <a:normAutofit/>
+          </a:bodyPr>
+          <a:lstStyle/>
+          <a:p>
+            <a:pPr lvl="0" algn="ctr" fontAlgn="base">
+              <a:spcAft>
+                <a:spcPct val="0"/>
+              </a:spcAft>
+              <a:buNone/>
+            </a:pPr>
+            <a:r>
+              <a:rPr lang="zh-TW" altLang="en-US" sz="6400" b="1" dirty="0">
+                <a:solidFill>
+                  <a:srgbClr val="000066"/>
+                </a:solidFill>
+                <a:latin typeface="微軟正黑體" pitchFamily="34" charset="-120"/>
+                <a:ea typeface="微軟正黑體" pitchFamily="34" charset="-120"/>
+              </a:rPr>
+              <a:t>大海翻</a:t>
+            </a:r>
+            <a:r>
+              <a:rPr lang="zh-TW" altLang="en-US" sz="6400" b="1" dirty="0">
+                <a:solidFill>
+                  <a:srgbClr val="000066"/>
+                </a:solidFill>
+                <a:latin typeface="微軟正黑體" pitchFamily="34" charset="-120"/>
+                <a:ea typeface="微軟正黑體" pitchFamily="34" charset="-120"/>
+              </a:rPr>
+              <a:t>騰   大</a:t>
+            </a:r>
+            <a:r>
+              <a:rPr lang="zh-TW" altLang="en-US" sz="6400" b="1" dirty="0">
+                <a:solidFill>
+                  <a:srgbClr val="000066"/>
+                </a:solidFill>
+                <a:latin typeface="微軟正黑體" pitchFamily="34" charset="-120"/>
+                <a:ea typeface="微軟正黑體" pitchFamily="34" charset="-120"/>
+              </a:rPr>
+              <a:t>浪戰</a:t>
+            </a:r>
+            <a:r>
+              <a:rPr lang="zh-TW" altLang="en-US" sz="6400" b="1" dirty="0">
+                <a:solidFill>
+                  <a:srgbClr val="000066"/>
+                </a:solidFill>
+                <a:latin typeface="微軟正黑體" pitchFamily="34" charset="-120"/>
+                <a:ea typeface="微軟正黑體" pitchFamily="34" charset="-120"/>
+              </a:rPr>
+              <a:t>抖</a:t>
+            </a:r>
+            <a:endParaRPr lang="en-US" altLang="zh-TW" sz="6400" b="1" dirty="0">
+              <a:solidFill>
+                <a:srgbClr val="000066"/>
+              </a:solidFill>
+              <a:latin typeface="微軟正黑體" pitchFamily="34" charset="-120"/>
+              <a:ea typeface="微軟正黑體" pitchFamily="34" charset="-120"/>
+            </a:endParaRPr>
+          </a:p>
+          <a:p>
+            <a:pPr lvl="0" algn="ctr" fontAlgn="base">
+              <a:spcAft>
+                <a:spcPct val="0"/>
+              </a:spcAft>
+              <a:buNone/>
+            </a:pPr>
+            <a:r>
+              <a:rPr lang="zh-TW" altLang="en-US" sz="6400" b="1" dirty="0">
+                <a:solidFill>
+                  <a:srgbClr val="000066"/>
+                </a:solidFill>
+                <a:latin typeface="微軟正黑體" pitchFamily="34" charset="-120"/>
+                <a:ea typeface="微軟正黑體" pitchFamily="34" charset="-120"/>
+              </a:rPr>
+              <a:t>但我們卻不害怕</a:t>
+            </a:r>
+            <a:endParaRPr lang="en-US" altLang="zh-TW" sz="6400" b="1" dirty="0">
+              <a:solidFill>
+                <a:srgbClr val="000066"/>
+              </a:solidFill>
+              <a:latin typeface="微軟正黑體" pitchFamily="34" charset="-120"/>
+              <a:ea typeface="微軟正黑體" pitchFamily="34" charset="-120"/>
+            </a:endParaRPr>
+          </a:p>
+        </p:txBody>
+      </p:sp>
+    </p:spTree>
+    <p:extLst>
+      <p:ext uri="{BB962C8B-B14F-4D97-AF65-F5344CB8AC3E}">
+        <p14:creationId xmlns:p14="http://schemas.microsoft.com/office/powerpoint/2010/main" val="2219240466"/>
+      </p:ext>
+    </p:extLst>
+  </p:cSld>
+  <p:clrMapOvr>
+    <a:masterClrMapping/>
+  </p:clrMapOvr>
+</p:sld>
+</file>
+
+<file path=ppt/slides/slide8.xml><?xml version="1.0" encoding="utf-8"?>
+<p:sld xmlns:a="http://schemas.openxmlformats.org/drawingml/2006/main" xmlns:r="http://schemas.openxmlformats.org/officeDocument/2006/relationships" xmlns:p="http://schemas.openxmlformats.org/presentationml/2006/main">
+  <p:cSld>
+    <p:spTree>
+      <p:nvGrpSpPr>
+        <p:cNvPr id="1" name=""/>
+        <p:cNvGrpSpPr/>
+        <p:nvPr/>
+      </p:nvGrpSpPr>
+      <p:grpSpPr>
+        <a:xfrm>
+          <a:off x="0" y="0"/>
+          <a:ext cx="0" cy="0"/>
+          <a:chOff x="0" y="0"/>
+          <a:chExt cx="0" cy="0"/>
+        </a:xfrm>
+      </p:grpSpPr>
+      <p:sp>
+        <p:nvSpPr>
+          <p:cNvPr id="5" name="內容版面配置區 4"/>
+          <p:cNvSpPr>
+            <a:spLocks noGrp="1"/>
+          </p:cNvSpPr>
+          <p:nvPr>
+            <p:ph idx="1"/>
+          </p:nvPr>
+        </p:nvSpPr>
+        <p:spPr>
+          <a:xfrm>
+            <a:off x="0" y="2084851"/>
+            <a:ext cx="12192000" cy="2404863"/>
+          </a:xfrm>
+        </p:spPr>
+        <p:txBody>
+          <a:bodyPr anchor="ctr">
+            <a:normAutofit/>
+          </a:bodyPr>
+          <a:lstStyle/>
+          <a:p>
+            <a:pPr lvl="0" algn="ctr" fontAlgn="base">
+              <a:spcAft>
+                <a:spcPct val="0"/>
+              </a:spcAft>
+              <a:buNone/>
+            </a:pPr>
+            <a:r>
+              <a:rPr lang="zh-TW" altLang="en-US" sz="6400" b="1" dirty="0">
+                <a:solidFill>
+                  <a:srgbClr val="000066"/>
+                </a:solidFill>
+                <a:latin typeface="微軟正黑體" pitchFamily="34" charset="-120"/>
+                <a:ea typeface="微軟正黑體" pitchFamily="34" charset="-120"/>
+              </a:rPr>
+              <a:t>喂哦</a:t>
+            </a:r>
+            <a:r>
+              <a:rPr lang="en-US" altLang="zh-TW" sz="6400" b="1" dirty="0">
+                <a:solidFill>
+                  <a:srgbClr val="000066"/>
+                </a:solidFill>
+                <a:latin typeface="微軟正黑體" pitchFamily="34" charset="-120"/>
+                <a:ea typeface="微軟正黑體" pitchFamily="34" charset="-120"/>
+              </a:rPr>
+              <a:t>~</a:t>
+            </a:r>
+            <a:r>
+              <a:rPr lang="zh-TW" altLang="en-US" sz="6400" b="1" dirty="0">
+                <a:solidFill>
+                  <a:srgbClr val="000066"/>
+                </a:solidFill>
+                <a:latin typeface="微軟正黑體" pitchFamily="34" charset="-120"/>
+                <a:ea typeface="微軟正黑體" pitchFamily="34" charset="-120"/>
+              </a:rPr>
+              <a:t>　</a:t>
+            </a:r>
+            <a:r>
+              <a:rPr lang="zh-TW" altLang="en-US" sz="6400" b="1" dirty="0">
+                <a:solidFill>
+                  <a:srgbClr val="000066"/>
+                </a:solidFill>
+                <a:latin typeface="微軟正黑體" pitchFamily="34" charset="-120"/>
+                <a:ea typeface="微軟正黑體" pitchFamily="34" charset="-120"/>
+              </a:rPr>
+              <a:t>喂哦</a:t>
+            </a:r>
+            <a:r>
+              <a:rPr lang="en-US" altLang="zh-TW" sz="6400" b="1" dirty="0">
+                <a:solidFill>
+                  <a:srgbClr val="000066"/>
+                </a:solidFill>
+                <a:latin typeface="微軟正黑體" pitchFamily="34" charset="-120"/>
+                <a:ea typeface="微軟正黑體" pitchFamily="34" charset="-120"/>
+              </a:rPr>
+              <a:t>~ </a:t>
+            </a:r>
+            <a:r>
+              <a:rPr lang="zh-TW" altLang="en-US" sz="6400" b="1" dirty="0">
+                <a:solidFill>
+                  <a:srgbClr val="000066"/>
+                </a:solidFill>
+                <a:latin typeface="微軟正黑體" pitchFamily="34" charset="-120"/>
+                <a:ea typeface="微軟正黑體" pitchFamily="34" charset="-120"/>
+              </a:rPr>
+              <a:t>　</a:t>
+            </a:r>
+            <a:endParaRPr lang="en-US" altLang="zh-TW" sz="6400" b="1" dirty="0">
+              <a:solidFill>
+                <a:srgbClr val="000066"/>
+              </a:solidFill>
+              <a:latin typeface="微軟正黑體" pitchFamily="34" charset="-120"/>
+              <a:ea typeface="微軟正黑體" pitchFamily="34" charset="-120"/>
+            </a:endParaRPr>
+          </a:p>
+          <a:p>
+            <a:pPr lvl="0" algn="ctr" fontAlgn="base">
+              <a:spcAft>
+                <a:spcPct val="0"/>
+              </a:spcAft>
+              <a:buNone/>
+            </a:pPr>
+            <a:r>
+              <a:rPr lang="zh-TW" altLang="en-US" sz="6400" b="1" dirty="0">
+                <a:solidFill>
+                  <a:srgbClr val="000066"/>
+                </a:solidFill>
+                <a:latin typeface="微軟正黑體" pitchFamily="34" charset="-120"/>
+                <a:ea typeface="微軟正黑體" pitchFamily="34" charset="-120"/>
+              </a:rPr>
+              <a:t>喂哦</a:t>
+            </a:r>
+            <a:r>
+              <a:rPr lang="en-US" altLang="zh-TW" sz="6400" b="1" dirty="0">
+                <a:solidFill>
+                  <a:srgbClr val="000066"/>
+                </a:solidFill>
+                <a:latin typeface="微軟正黑體" pitchFamily="34" charset="-120"/>
+                <a:ea typeface="微軟正黑體" pitchFamily="34" charset="-120"/>
+              </a:rPr>
+              <a:t>~ </a:t>
+            </a:r>
+            <a:r>
+              <a:rPr lang="zh-TW" altLang="en-US" sz="6400" b="1" dirty="0">
+                <a:solidFill>
+                  <a:srgbClr val="000066"/>
+                </a:solidFill>
+                <a:latin typeface="微軟正黑體" pitchFamily="34" charset="-120"/>
+                <a:ea typeface="微軟正黑體" pitchFamily="34" charset="-120"/>
+              </a:rPr>
+              <a:t>　</a:t>
+            </a:r>
+            <a:r>
+              <a:rPr lang="zh-TW" altLang="en-US" sz="6400" b="1" dirty="0">
+                <a:solidFill>
+                  <a:srgbClr val="000066"/>
+                </a:solidFill>
+                <a:latin typeface="微軟正黑體" pitchFamily="34" charset="-120"/>
+                <a:ea typeface="微軟正黑體" pitchFamily="34" charset="-120"/>
+              </a:rPr>
+              <a:t>喂哦</a:t>
+            </a:r>
+            <a:r>
+              <a:rPr lang="en-US" altLang="zh-TW" sz="6400" b="1" dirty="0">
+                <a:solidFill>
+                  <a:srgbClr val="000066"/>
+                </a:solidFill>
+                <a:latin typeface="微軟正黑體" pitchFamily="34" charset="-120"/>
+                <a:ea typeface="微軟正黑體" pitchFamily="34" charset="-120"/>
+              </a:rPr>
+              <a:t>~</a:t>
+            </a:r>
+            <a:endParaRPr lang="zh-TW" altLang="en-US" sz="6400" b="1" dirty="0">
+              <a:solidFill>
+                <a:srgbClr val="000066"/>
+              </a:solidFill>
+              <a:latin typeface="微軟正黑體" pitchFamily="34" charset="-120"/>
+              <a:ea typeface="微軟正黑體" pitchFamily="34" charset="-120"/>
+            </a:endParaRPr>
+          </a:p>
+        </p:txBody>
+      </p:sp>
+    </p:spTree>
+    <p:extLst>
+      <p:ext uri="{BB962C8B-B14F-4D97-AF65-F5344CB8AC3E}">
+        <p14:creationId xmlns:p14="http://schemas.microsoft.com/office/powerpoint/2010/main" val="1788884335"/>
+      </p:ext>
+    </p:extLst>
   </p:cSld>
   <p:clrMapOvr>
     <a:masterClrMapping/>
@@ -3779,9 +4130,9 @@
 </file>
 
 <file path=ppt/theme/theme1.xml><?xml version="1.0" encoding="utf-8"?>
-<a:theme xmlns:a="http://schemas.openxmlformats.org/drawingml/2006/main" name="佈景主題16">
+<a:theme xmlns:a="http://schemas.openxmlformats.org/drawingml/2006/main" name="Theme1">
   <a:themeElements>
-    <a:clrScheme name="Yamato Painting">
+    <a:clrScheme name="Office">
       <a:dk1>
         <a:sysClr val="windowText" lastClr="000000"/>
       </a:dk1>
@@ -3789,28 +4140,28 @@
         <a:sysClr val="window" lastClr="FFFFFF"/>
       </a:lt1>
       <a:dk2>
-        <a:srgbClr val="3F2D32"/>
+        <a:srgbClr val="1F497D"/>
       </a:dk2>
       <a:lt2>
-        <a:srgbClr val="FEDD00"/>
+        <a:srgbClr val="EEECE1"/>
       </a:lt2>
       <a:accent1>
-        <a:srgbClr val="C24400"/>
+        <a:srgbClr val="4F81BD"/>
       </a:accent1>
       <a:accent2>
-        <a:srgbClr val="3F7228"/>
+        <a:srgbClr val="C0504D"/>
       </a:accent2>
       <a:accent3>
-        <a:srgbClr val="516086"/>
+        <a:srgbClr val="9BBB59"/>
       </a:accent3>
       <a:accent4>
-        <a:srgbClr val="956A86"/>
+        <a:srgbClr val="8064A2"/>
       </a:accent4>
       <a:accent5>
-        <a:srgbClr val="E87981"/>
+        <a:srgbClr val="4BACC6"/>
       </a:accent5>
       <a:accent6>
-        <a:srgbClr val="8D8628"/>
+        <a:srgbClr val="F79646"/>
       </a:accent6>
       <a:hlink>
         <a:srgbClr val="0000FF"/>
@@ -3819,18 +4170,52 @@
         <a:srgbClr val="800080"/>
       </a:folHlink>
     </a:clrScheme>
-    <a:fontScheme name="Yamato Painting">
+    <a:fontScheme name="Office">
       <a:majorFont>
         <a:latin typeface="Calibri"/>
         <a:ea typeface=""/>
         <a:cs typeface=""/>
         <a:font script="Jpan" typeface="ＭＳ Ｐゴシック"/>
         <a:font script="Hang" typeface="맑은 고딕"/>
-        <a:font script="Hans" typeface="黑体"/>
-        <a:font script="Hant" typeface="微軟正黑體"/>
-        <a:font script="Arab" typeface="Tahoma"/>
-        <a:font script="Hebr" typeface="Tahoma"/>
-        <a:font script="Thai" typeface="Tahoma"/>
+        <a:font script="Hans" typeface="宋体"/>
+        <a:font script="Hant" typeface="新細明體"/>
+        <a:font script="Arab" typeface="Times New Roman"/>
+        <a:font script="Hebr" typeface="Times New Roman"/>
+        <a:font script="Thai" typeface="Angsana New"/>
+        <a:font script="Ethi" typeface="Nyala"/>
+        <a:font script="Beng" typeface="Vrinda"/>
+        <a:font script="Gujr" typeface="Shruti"/>
+        <a:font script="Khmr" typeface="MoolBoran"/>
+        <a:font script="Knda" typeface="Tunga"/>
+        <a:font script="Guru" typeface="Raavi"/>
+        <a:font script="Cans" typeface="Euphemia"/>
+        <a:font script="Cher" typeface="Plantagenet Cherokee"/>
+        <a:font script="Yiii" typeface="Microsoft Yi Baiti"/>
+        <a:font script="Tibt" typeface="Microsoft Himalaya"/>
+        <a:font script="Thaa" typeface="MV Boli"/>
+        <a:font script="Deva" typeface="Mangal"/>
+        <a:font script="Telu" typeface="Gautami"/>
+        <a:font script="Taml" typeface="Latha"/>
+        <a:font script="Syrc" typeface="Estrangelo Edessa"/>
+        <a:font script="Orya" typeface="Kalinga"/>
+        <a:font script="Mlym" typeface="Kartika"/>
+        <a:font script="Laoo" typeface="DokChampa"/>
+        <a:font script="Sinh" typeface="Iskoola Pota"/>
+        <a:font script="Mong" typeface="Mongolian Baiti"/>
+        <a:font script="Viet" typeface="Times New Roman"/>
+        <a:font script="Uigh" typeface="Microsoft Uighur"/>
+      </a:majorFont>
+      <a:minorFont>
+        <a:latin typeface="Calibri"/>
+        <a:ea typeface=""/>
+        <a:cs typeface=""/>
+        <a:font script="Jpan" typeface="ＭＳ Ｐゴシック"/>
+        <a:font script="Hang" typeface="맑은 고딕"/>
+        <a:font script="Hans" typeface="宋体"/>
+        <a:font script="Hant" typeface="新細明體"/>
+        <a:font script="Arab" typeface="Arial"/>
+        <a:font script="Hebr" typeface="Arial"/>
+        <a:font script="Thai" typeface="Cordia New"/>
         <a:font script="Ethi" typeface="Nyala"/>
         <a:font script="Beng" typeface="Vrinda"/>
         <a:font script="Gujr" typeface="Shruti"/>
@@ -3851,101 +4236,81 @@
         <a:font script="Laoo" typeface="DokChampa"/>
         <a:font script="Sinh" typeface="Iskoola Pota"/>
         <a:font script="Mong" typeface="Mongolian Baiti"/>
-        <a:font script="Viet" typeface="Tahoma"/>
-        <a:font script="Uigh" typeface="Microsoft Uighur"/>
-      </a:majorFont>
-      <a:minorFont>
-        <a:latin typeface="Calibri"/>
-        <a:ea typeface=""/>
-        <a:cs typeface=""/>
-        <a:font script="Jpan" typeface="ＭＳ Ｐゴシック"/>
-        <a:font script="Hang" typeface="맑은 고딕"/>
-        <a:font script="Hans" typeface="宋体"/>
-        <a:font script="Hant" typeface="微軟正黑體"/>
-        <a:font script="Arab" typeface="Tahoma"/>
-        <a:font script="Hebr" typeface="Tahoma"/>
-        <a:font script="Thai" typeface="Tahoma"/>
-        <a:font script="Ethi" typeface="Nyala"/>
-        <a:font script="Beng" typeface="Vrinda"/>
-        <a:font script="Gujr" typeface="Shruti"/>
-        <a:font script="Khmr" typeface="DaunPenh"/>
-        <a:font script="Knda" typeface="Tunga"/>
-        <a:font script="Guru" typeface="Raavi"/>
-        <a:font script="Cans" typeface="Euphemia"/>
-        <a:font script="Cher" typeface="Plantagenet Cherokee"/>
-        <a:font script="Yiii" typeface="Microsoft Yi Baiti"/>
-        <a:font script="Tibt" typeface="Microsoft Himalaya"/>
-        <a:font script="Thaa" typeface="MV Boli"/>
-        <a:font script="Deva" typeface="Mangal"/>
-        <a:font script="Telu" typeface="Gautami"/>
-        <a:font script="Taml" typeface="Latha"/>
-        <a:font script="Syrc" typeface="Estrangelo Edessa"/>
-        <a:font script="Orya" typeface="Kalinga"/>
-        <a:font script="Mlym" typeface="Kartika"/>
-        <a:font script="Laoo" typeface="DokChampa"/>
-        <a:font script="Sinh" typeface="Iskoola Pota"/>
-        <a:font script="Mong" typeface="Mongolian Baiti"/>
-        <a:font script="Viet" typeface="Tahoma"/>
+        <a:font script="Viet" typeface="Arial"/>
         <a:font script="Uigh" typeface="Microsoft Uighur"/>
       </a:minorFont>
     </a:fontScheme>
-    <a:fmtScheme name="Yamato Painting">
+    <a:fmtScheme name="Office">
       <a:fillStyleLst>
         <a:solidFill>
-          <a:schemeClr val="phClr">
-            <a:tint val="100000"/>
-          </a:schemeClr>
+          <a:schemeClr val="phClr"/>
         </a:solidFill>
-        <a:gradFill>
+        <a:gradFill rotWithShape="1">
           <a:gsLst>
             <a:gs pos="0">
               <a:schemeClr val="phClr">
-                <a:tint val="100000"/>
+                <a:tint val="50000"/>
+                <a:satMod val="300000"/>
+              </a:schemeClr>
+            </a:gs>
+            <a:gs pos="35000">
+              <a:schemeClr val="phClr">
+                <a:tint val="37000"/>
+                <a:satMod val="300000"/>
               </a:schemeClr>
             </a:gs>
             <a:gs pos="100000">
               <a:schemeClr val="phClr">
-                <a:tint val="100000"/>
-                <a:shade val="20000"/>
+                <a:tint val="15000"/>
+                <a:satMod val="350000"/>
               </a:schemeClr>
             </a:gs>
           </a:gsLst>
-          <a:lin ang="5400000" scaled="1"/>
+          <a:lin ang="16200000" scaled="1"/>
         </a:gradFill>
-        <a:blipFill>
-          <a:blip xmlns:r="http://schemas.openxmlformats.org/officeDocument/2006/relationships" r:embed="rId1">
-            <a:duotone>
-              <a:srgbClr val="000000"/>
+        <a:gradFill rotWithShape="1">
+          <a:gsLst>
+            <a:gs pos="0">
               <a:schemeClr val="phClr">
-                <a:tint val="100000"/>
+                <a:shade val="51000"/>
+                <a:satMod val="130000"/>
               </a:schemeClr>
-            </a:duotone>
-          </a:blip>
-          <a:tile tx="0" ty="0" sx="35000" sy="35000" flip="none" algn="tl"/>
-        </a:blipFill>
+            </a:gs>
+            <a:gs pos="80000">
+              <a:schemeClr val="phClr">
+                <a:shade val="93000"/>
+                <a:satMod val="130000"/>
+              </a:schemeClr>
+            </a:gs>
+            <a:gs pos="100000">
+              <a:schemeClr val="phClr">
+                <a:shade val="94000"/>
+                <a:satMod val="135000"/>
+              </a:schemeClr>
+            </a:gs>
+          </a:gsLst>
+          <a:lin ang="16200000" scaled="0"/>
+        </a:gradFill>
       </a:fillStyleLst>
       <a:lnStyleLst>
         <a:ln w="9525" cap="flat" cmpd="sng" algn="ctr">
           <a:solidFill>
             <a:schemeClr val="phClr">
-              <a:alpha val="60000"/>
+              <a:shade val="95000"/>
+              <a:satMod val="105000"/>
             </a:schemeClr>
           </a:solidFill>
           <a:prstDash val="solid"/>
         </a:ln>
-        <a:ln w="19525" cap="flat" cmpd="sng" algn="ctr">
+        <a:ln w="25400" cap="flat" cmpd="sng" algn="ctr">
           <a:solidFill>
-            <a:schemeClr val="phClr">
-              <a:alpha val="90000"/>
-            </a:schemeClr>
+            <a:schemeClr val="phClr"/>
           </a:solidFill>
           <a:prstDash val="solid"/>
         </a:ln>
         <a:ln w="38100" cap="flat" cmpd="sng" algn="ctr">
           <a:solidFill>
-            <a:schemeClr val="phClr">
-              <a:alpha val="100000"/>
-            </a:schemeClr>
+            <a:schemeClr val="phClr"/>
           </a:solidFill>
           <a:prstDash val="solid"/>
         </a:ln>
@@ -3953,102 +4318,101 @@
       <a:effectStyleLst>
         <a:effectStyle>
           <a:effectLst>
-            <a:outerShdw blurRad="50800" algn="tl" rotWithShape="0">
+            <a:outerShdw blurRad="40000" dist="20000" dir="5400000" rotWithShape="0">
               <a:srgbClr val="000000">
-                <a:alpha val="64000"/>
+                <a:alpha val="38000"/>
               </a:srgbClr>
             </a:outerShdw>
           </a:effectLst>
         </a:effectStyle>
         <a:effectStyle>
           <a:effectLst>
-            <a:outerShdw blurRad="50800" algn="tl" rotWithShape="0">
+            <a:outerShdw blurRad="40000" dist="23000" dir="5400000" rotWithShape="0">
               <a:srgbClr val="000000">
-                <a:alpha val="64000"/>
+                <a:alpha val="35000"/>
+              </a:srgbClr>
+            </a:outerShdw>
+          </a:effectLst>
+        </a:effectStyle>
+        <a:effectStyle>
+          <a:effectLst>
+            <a:outerShdw blurRad="40000" dist="23000" dir="5400000" rotWithShape="0">
+              <a:srgbClr val="000000">
+                <a:alpha val="35000"/>
               </a:srgbClr>
             </a:outerShdw>
           </a:effectLst>
           <a:scene3d>
-            <a:camera prst="orthographicFront"/>
-            <a:lightRig rig="soft" dir="tl">
+            <a:camera prst="orthographicFront">
               <a:rot lat="0" lon="0" rev="0"/>
+            </a:camera>
+            <a:lightRig rig="threePt" dir="t">
+              <a:rot lat="0" lon="0" rev="1200000"/>
             </a:lightRig>
           </a:scene3d>
           <a:sp3d>
-            <a:bevelT prst="angle"/>
-            <a:bevelB w="304800" h="44450"/>
-            <a:contourClr>
-              <a:schemeClr val="phClr">
-                <a:shade val="60000"/>
-                <a:satMod val="110000"/>
-              </a:schemeClr>
-            </a:contourClr>
-          </a:sp3d>
-        </a:effectStyle>
-        <a:effectStyle>
-          <a:effectLst>
-            <a:glow rad="51600">
-              <a:schemeClr val="phClr">
-                <a:alpha val="60000"/>
-              </a:schemeClr>
-            </a:glow>
-          </a:effectLst>
-          <a:scene3d>
-            <a:camera prst="orthographicFront"/>
-            <a:lightRig rig="threePt" dir="t"/>
-          </a:scene3d>
-          <a:sp3d>
-            <a:bevelT w="165100" prst="coolSlant"/>
-            <a:contourClr>
-              <a:schemeClr val="phClr">
-                <a:shade val="60000"/>
-                <a:satMod val="110000"/>
-              </a:schemeClr>
-            </a:contourClr>
+            <a:bevelT w="63500" h="25400"/>
           </a:sp3d>
         </a:effectStyle>
       </a:effectStyleLst>
       <a:bgFillStyleLst>
         <a:solidFill>
-          <a:schemeClr val="phClr">
-            <a:shade val="90000"/>
-          </a:schemeClr>
+          <a:schemeClr val="phClr"/>
         </a:solidFill>
-        <a:blipFill>
-          <a:blip xmlns:r="http://schemas.openxmlformats.org/officeDocument/2006/relationships" r:embed="rId2">
-            <a:duotone>
+        <a:gradFill rotWithShape="1">
+          <a:gsLst>
+            <a:gs pos="0">
               <a:schemeClr val="phClr">
-                <a:tint val="100000"/>
-                <a:shade val="5000"/>
+                <a:tint val="40000"/>
+                <a:satMod val="350000"/>
               </a:schemeClr>
+            </a:gs>
+            <a:gs pos="40000">
               <a:schemeClr val="phClr">
-                <a:shade val="100000"/>
+                <a:tint val="45000"/>
+                <a:shade val="99000"/>
+                <a:satMod val="350000"/>
               </a:schemeClr>
-            </a:duotone>
-          </a:blip>
-          <a:tile tx="0" ty="0" sx="120000" sy="120000" flip="xy" algn="t"/>
-        </a:blipFill>
-        <a:blipFill rotWithShape="0">
-          <a:blip xmlns:r="http://schemas.openxmlformats.org/officeDocument/2006/relationships" r:embed="rId3">
-            <a:duotone>
+            </a:gs>
+            <a:gs pos="100000">
               <a:schemeClr val="phClr">
-                <a:tint val="100000"/>
-                <a:shade val="5000"/>
+                <a:shade val="20000"/>
+                <a:satMod val="255000"/>
               </a:schemeClr>
+            </a:gs>
+          </a:gsLst>
+          <a:path path="circle">
+            <a:fillToRect l="50000" t="-80000" r="50000" b="180000"/>
+          </a:path>
+        </a:gradFill>
+        <a:gradFill rotWithShape="1">
+          <a:gsLst>
+            <a:gs pos="0">
               <a:schemeClr val="phClr">
-                <a:shade val="100000"/>
+                <a:tint val="80000"/>
+                <a:satMod val="300000"/>
               </a:schemeClr>
-            </a:duotone>
-          </a:blip>
-          <a:srcRect/>
-          <a:stretch>
-            <a:fillRect/>
-          </a:stretch>
-        </a:blipFill>
+            </a:gs>
+            <a:gs pos="100000">
+              <a:schemeClr val="phClr">
+                <a:shade val="30000"/>
+                <a:satMod val="200000"/>
+              </a:schemeClr>
+            </a:gs>
+          </a:gsLst>
+          <a:path path="circle">
+            <a:fillToRect l="50000" t="50000" r="50000" b="50000"/>
+          </a:path>
+        </a:gradFill>
       </a:bgFillStyleLst>
     </a:fmtScheme>
   </a:themeElements>
   <a:objectDefaults/>
   <a:extraClrSchemeLst/>
+  <a:extLst>
+    <a:ext uri="{05A4C25C-085E-4340-85A3-A5531E510DB2}">
+      <thm15:themeFamily xmlns:thm15="http://schemas.microsoft.com/office/thememl/2012/main" name="Theme1" id="{1A8DE197-990E-4893-BF04-3823FBB50F9A}" vid="{430B7048-5A04-4BDB-939A-C7E865DB887B}"/>
+    </a:ext>
+  </a:extLst>
 </a:theme>
 </file>